--- a/game1/data/er_base.pptx
+++ b/game1/data/er_base.pptx
@@ -6,6 +6,8 @@
   </p:sldMasterIdLst>
   <p:sldIdLst>
     <p:sldId id="257" r:id="rId2"/>
+    <p:sldId id="258" r:id="rId3"/>
+    <p:sldId id="259" r:id="rId4"/>
   </p:sldIdLst>
   <p:sldSz cx="12192000" cy="6858000"/>
   <p:notesSz cx="6858000" cy="9144000"/>
@@ -104,6 +106,11 @@
       </a:defRPr>
     </a:lvl9pPr>
   </p:defaultTextStyle>
+  <p:extLst>
+    <p:ext uri="{EFAFB233-063F-42B5-8137-9DF3F51BA10A}">
+      <p15:sldGuideLst xmlns:p15="http://schemas.microsoft.com/office/powerpoint/2012/main"/>
+    </p:ext>
+  </p:extLst>
 </p:presentation>
 </file>
 
@@ -254,7 +261,7 @@
           <a:p>
             <a:fld id="{9B9FEED7-53D3-405F-BCD4-2D92D0D2272C}" type="datetimeFigureOut">
               <a:rPr lang="pt-BR" smtClean="0"/>
-              <a:t>08/02/2019</a:t>
+              <a:t>09/02/2019</a:t>
             </a:fld>
             <a:endParaRPr lang="pt-BR"/>
           </a:p>
@@ -452,7 +459,7 @@
           <a:p>
             <a:fld id="{9B9FEED7-53D3-405F-BCD4-2D92D0D2272C}" type="datetimeFigureOut">
               <a:rPr lang="pt-BR" smtClean="0"/>
-              <a:t>08/02/2019</a:t>
+              <a:t>09/02/2019</a:t>
             </a:fld>
             <a:endParaRPr lang="pt-BR"/>
           </a:p>
@@ -660,7 +667,7 @@
           <a:p>
             <a:fld id="{9B9FEED7-53D3-405F-BCD4-2D92D0D2272C}" type="datetimeFigureOut">
               <a:rPr lang="pt-BR" smtClean="0"/>
-              <a:t>08/02/2019</a:t>
+              <a:t>09/02/2019</a:t>
             </a:fld>
             <a:endParaRPr lang="pt-BR"/>
           </a:p>
@@ -858,7 +865,7 @@
           <a:p>
             <a:fld id="{9B9FEED7-53D3-405F-BCD4-2D92D0D2272C}" type="datetimeFigureOut">
               <a:rPr lang="pt-BR" smtClean="0"/>
-              <a:t>08/02/2019</a:t>
+              <a:t>09/02/2019</a:t>
             </a:fld>
             <a:endParaRPr lang="pt-BR"/>
           </a:p>
@@ -1133,7 +1140,7 @@
           <a:p>
             <a:fld id="{9B9FEED7-53D3-405F-BCD4-2D92D0D2272C}" type="datetimeFigureOut">
               <a:rPr lang="pt-BR" smtClean="0"/>
-              <a:t>08/02/2019</a:t>
+              <a:t>09/02/2019</a:t>
             </a:fld>
             <a:endParaRPr lang="pt-BR"/>
           </a:p>
@@ -1398,7 +1405,7 @@
           <a:p>
             <a:fld id="{9B9FEED7-53D3-405F-BCD4-2D92D0D2272C}" type="datetimeFigureOut">
               <a:rPr lang="pt-BR" smtClean="0"/>
-              <a:t>08/02/2019</a:t>
+              <a:t>09/02/2019</a:t>
             </a:fld>
             <a:endParaRPr lang="pt-BR"/>
           </a:p>
@@ -1810,7 +1817,7 @@
           <a:p>
             <a:fld id="{9B9FEED7-53D3-405F-BCD4-2D92D0D2272C}" type="datetimeFigureOut">
               <a:rPr lang="pt-BR" smtClean="0"/>
-              <a:t>08/02/2019</a:t>
+              <a:t>09/02/2019</a:t>
             </a:fld>
             <a:endParaRPr lang="pt-BR"/>
           </a:p>
@@ -1951,7 +1958,7 @@
           <a:p>
             <a:fld id="{9B9FEED7-53D3-405F-BCD4-2D92D0D2272C}" type="datetimeFigureOut">
               <a:rPr lang="pt-BR" smtClean="0"/>
-              <a:t>08/02/2019</a:t>
+              <a:t>09/02/2019</a:t>
             </a:fld>
             <a:endParaRPr lang="pt-BR"/>
           </a:p>
@@ -2064,7 +2071,7 @@
           <a:p>
             <a:fld id="{9B9FEED7-53D3-405F-BCD4-2D92D0D2272C}" type="datetimeFigureOut">
               <a:rPr lang="pt-BR" smtClean="0"/>
-              <a:t>08/02/2019</a:t>
+              <a:t>09/02/2019</a:t>
             </a:fld>
             <a:endParaRPr lang="pt-BR"/>
           </a:p>
@@ -2375,7 +2382,7 @@
           <a:p>
             <a:fld id="{9B9FEED7-53D3-405F-BCD4-2D92D0D2272C}" type="datetimeFigureOut">
               <a:rPr lang="pt-BR" smtClean="0"/>
-              <a:t>08/02/2019</a:t>
+              <a:t>09/02/2019</a:t>
             </a:fld>
             <a:endParaRPr lang="pt-BR"/>
           </a:p>
@@ -2663,7 +2670,7 @@
           <a:p>
             <a:fld id="{9B9FEED7-53D3-405F-BCD4-2D92D0D2272C}" type="datetimeFigureOut">
               <a:rPr lang="pt-BR" smtClean="0"/>
-              <a:t>08/02/2019</a:t>
+              <a:t>09/02/2019</a:t>
             </a:fld>
             <a:endParaRPr lang="pt-BR"/>
           </a:p>
@@ -2904,7 +2911,7 @@
           <a:p>
             <a:fld id="{9B9FEED7-53D3-405F-BCD4-2D92D0D2272C}" type="datetimeFigureOut">
               <a:rPr lang="pt-BR" smtClean="0"/>
-              <a:t>08/02/2019</a:t>
+              <a:t>09/02/2019</a:t>
             </a:fld>
             <a:endParaRPr lang="pt-BR"/>
           </a:p>
@@ -6031,10 +6038,3154 @@
           </a:prstGeom>
         </p:spPr>
       </p:pic>
+      <p:pic>
+        <p:nvPicPr>
+          <p:cNvPr id="37" name="Imagem 36" descr="Uma imagem contendo parede, interior&#10;&#10;Descrição gerada automaticamente">
+            <a:extLst>
+              <a:ext uri="{FF2B5EF4-FFF2-40B4-BE49-F238E27FC236}">
+                <a16:creationId xmlns:a16="http://schemas.microsoft.com/office/drawing/2014/main" id="{83ED6137-1404-4B0D-8123-C7BC5567C41C}"/>
+              </a:ext>
+            </a:extLst>
+          </p:cNvPr>
+          <p:cNvPicPr>
+            <a:picLocks noChangeAspect="1"/>
+          </p:cNvPicPr>
+          <p:nvPr/>
+        </p:nvPicPr>
+        <p:blipFill rotWithShape="1">
+          <a:blip r:embed="rId3">
+            <a:extLst>
+              <a:ext uri="{28A0092B-C50C-407E-A947-70E740481C1C}">
+                <a14:useLocalDpi xmlns:a14="http://schemas.microsoft.com/office/drawing/2010/main" val="0"/>
+              </a:ext>
+            </a:extLst>
+          </a:blip>
+          <a:srcRect l="13663" t="57991" r="67183" b="23809"/>
+          <a:stretch/>
+        </p:blipFill>
+        <p:spPr>
+          <a:xfrm>
+            <a:off x="8782047" y="198554"/>
+            <a:ext cx="754332" cy="720000"/>
+          </a:xfrm>
+          <a:prstGeom prst="rect">
+            <a:avLst/>
+          </a:prstGeom>
+        </p:spPr>
+      </p:pic>
+      <p:pic>
+        <p:nvPicPr>
+          <p:cNvPr id="36" name="Imagem 35">
+            <a:extLst>
+              <a:ext uri="{FF2B5EF4-FFF2-40B4-BE49-F238E27FC236}">
+                <a16:creationId xmlns:a16="http://schemas.microsoft.com/office/drawing/2014/main" id="{8DFBFF80-0D2B-4841-BBB3-D59CAA4111DB}"/>
+              </a:ext>
+            </a:extLst>
+          </p:cNvPr>
+          <p:cNvPicPr>
+            <a:picLocks noChangeAspect="1"/>
+          </p:cNvPicPr>
+          <p:nvPr/>
+        </p:nvPicPr>
+        <p:blipFill>
+          <a:blip r:embed="rId4">
+            <a:extLst>
+              <a:ext uri="{BEBA8EAE-BF5A-486C-A8C5-ECC9F3942E4B}">
+                <a14:imgProps xmlns:a14="http://schemas.microsoft.com/office/drawing/2010/main">
+                  <a14:imgLayer r:embed="rId5">
+                    <a14:imgEffect>
+                      <a14:backgroundRemoval t="6061" b="95455" l="9524" r="93651">
+                        <a14:foregroundMark x1="37302" y1="6061" x2="28571" y2="13636"/>
+                        <a14:foregroundMark x1="65873" y1="20455" x2="75397" y2="37879"/>
+                        <a14:foregroundMark x1="75397" y1="37879" x2="81746" y2="56818"/>
+                        <a14:foregroundMark x1="93651" y1="77273" x2="67460" y2="18182"/>
+                        <a14:foregroundMark x1="92857" y1="78788" x2="43651" y2="93939"/>
+                        <a14:foregroundMark x1="43651" y1="93939" x2="26190" y2="64394"/>
+                        <a14:foregroundMark x1="28571" y1="64394" x2="22222" y2="57576"/>
+                        <a14:foregroundMark x1="22222" y1="57576" x2="19048" y2="48485"/>
+                        <a14:foregroundMark x1="19048" y1="48485" x2="19048" y2="47727"/>
+                        <a14:foregroundMark x1="15079" y1="43182" x2="9524" y2="34091"/>
+                        <a14:foregroundMark x1="9524" y1="34091" x2="13492" y2="28030"/>
+                        <a14:foregroundMark x1="22222" y1="40152" x2="15873" y2="31061"/>
+                        <a14:foregroundMark x1="15873" y1="31061" x2="15873" y2="31061"/>
+                        <a14:foregroundMark x1="69048" y1="18939" x2="85714" y2="55303"/>
+                        <a14:foregroundMark x1="85714" y1="55303" x2="92063" y2="73485"/>
+                        <a14:foregroundMark x1="92063" y1="73485" x2="95238" y2="78030"/>
+                        <a14:foregroundMark x1="80952" y1="84848" x2="51587" y2="96212"/>
+                        <a14:foregroundMark x1="51587" y1="96212" x2="41270" y2="93939"/>
+                        <a14:foregroundMark x1="41270" y1="93939" x2="38889" y2="91667"/>
+                        <a14:foregroundMark x1="63492" y1="94697" x2="53175" y2="96212"/>
+                        <a14:foregroundMark x1="53175" y1="96212" x2="42857" y2="95455"/>
+                        <a14:foregroundMark x1="42857" y1="95455" x2="39683" y2="92424"/>
+                        <a14:foregroundMark x1="11905" y1="27273" x2="9524" y2="37121"/>
+                        <a14:foregroundMark x1="9524" y1="37121" x2="26984" y2="70455"/>
+                        <a14:foregroundMark x1="26984" y1="72727" x2="36508" y2="89394"/>
+                        <a14:foregroundMark x1="36508" y1="89394" x2="38889" y2="91667"/>
+                      </a14:backgroundRemoval>
+                    </a14:imgEffect>
+                  </a14:imgLayer>
+                </a14:imgProps>
+              </a:ext>
+            </a:extLst>
+          </a:blip>
+          <a:stretch>
+            <a:fillRect/>
+          </a:stretch>
+        </p:blipFill>
+        <p:spPr>
+          <a:xfrm>
+            <a:off x="8878944" y="264939"/>
+            <a:ext cx="560537" cy="587229"/>
+          </a:xfrm>
+          <a:prstGeom prst="rect">
+            <a:avLst/>
+          </a:prstGeom>
+          <a:effectLst>
+            <a:outerShdw blurRad="63500" sx="102000" sy="102000" algn="ctr" rotWithShape="0">
+              <a:schemeClr val="bg1">
+                <a:alpha val="25000"/>
+              </a:schemeClr>
+            </a:outerShdw>
+          </a:effectLst>
+        </p:spPr>
+      </p:pic>
+      <p:pic>
+        <p:nvPicPr>
+          <p:cNvPr id="40" name="Imagem 39" descr="Uma imagem contendo parede, interior&#10;&#10;Descrição gerada automaticamente">
+            <a:extLst>
+              <a:ext uri="{FF2B5EF4-FFF2-40B4-BE49-F238E27FC236}">
+                <a16:creationId xmlns:a16="http://schemas.microsoft.com/office/drawing/2014/main" id="{1E04CD82-5BC4-48CB-AD50-AA0027233FB4}"/>
+              </a:ext>
+            </a:extLst>
+          </p:cNvPr>
+          <p:cNvPicPr>
+            <a:picLocks noChangeAspect="1"/>
+          </p:cNvPicPr>
+          <p:nvPr/>
+        </p:nvPicPr>
+        <p:blipFill rotWithShape="1">
+          <a:blip r:embed="rId3">
+            <a:extLst>
+              <a:ext uri="{28A0092B-C50C-407E-A947-70E740481C1C}">
+                <a14:useLocalDpi xmlns:a14="http://schemas.microsoft.com/office/drawing/2010/main" val="0"/>
+              </a:ext>
+            </a:extLst>
+          </a:blip>
+          <a:srcRect l="13663" t="57991" r="67183" b="23809"/>
+          <a:stretch/>
+        </p:blipFill>
+        <p:spPr>
+          <a:xfrm>
+            <a:off x="9623957" y="198553"/>
+            <a:ext cx="754332" cy="720000"/>
+          </a:xfrm>
+          <a:prstGeom prst="rect">
+            <a:avLst/>
+          </a:prstGeom>
+        </p:spPr>
+      </p:pic>
+      <p:pic>
+        <p:nvPicPr>
+          <p:cNvPr id="38" name="Imagem 37">
+            <a:extLst>
+              <a:ext uri="{FF2B5EF4-FFF2-40B4-BE49-F238E27FC236}">
+                <a16:creationId xmlns:a16="http://schemas.microsoft.com/office/drawing/2014/main" id="{C10D6D84-2503-4CD0-88AB-A73B51AD255E}"/>
+              </a:ext>
+            </a:extLst>
+          </p:cNvPr>
+          <p:cNvPicPr>
+            <a:picLocks noChangeAspect="1"/>
+          </p:cNvPicPr>
+          <p:nvPr/>
+        </p:nvPicPr>
+        <p:blipFill>
+          <a:blip r:embed="rId6">
+            <a:extLst>
+              <a:ext uri="{BEBA8EAE-BF5A-486C-A8C5-ECC9F3942E4B}">
+                <a14:imgProps xmlns:a14="http://schemas.microsoft.com/office/drawing/2010/main">
+                  <a14:imgLayer r:embed="rId7">
+                    <a14:imgEffect>
+                      <a14:backgroundRemoval t="10000" b="90000" l="10000" r="90000">
+                        <a14:foregroundMark x1="12281" y1="73333" x2="17544" y2="80000"/>
+                        <a14:foregroundMark x1="12281" y1="76667" x2="59649" y2="40000"/>
+                        <a14:foregroundMark x1="17544" y1="70000" x2="56140" y2="40000"/>
+                        <a14:foregroundMark x1="14035" y1="71667" x2="45614" y2="50000"/>
+                        <a14:foregroundMark x1="28070" y1="81667" x2="38596" y2="73333"/>
+                        <a14:foregroundMark x1="31579" y1="88333" x2="43860" y2="78333"/>
+                        <a14:foregroundMark x1="43860" y1="78333" x2="43860" y2="78333"/>
+                        <a14:foregroundMark x1="45614" y1="76667" x2="35088" y2="68333"/>
+                        <a14:foregroundMark x1="35088" y1="66667" x2="63158" y2="48333"/>
+                        <a14:foregroundMark x1="64912" y1="48333" x2="82456" y2="51667"/>
+                        <a14:foregroundMark x1="82456" y1="51667" x2="84211" y2="50000"/>
+                        <a14:foregroundMark x1="56140" y1="38333" x2="56140" y2="20000"/>
+                        <a14:foregroundMark x1="56140" y1="20000" x2="57895" y2="18333"/>
+                        <a14:foregroundMark x1="61404" y1="20000" x2="78947" y2="25000"/>
+                        <a14:foregroundMark x1="78947" y1="25000" x2="87719" y2="40000"/>
+                        <a14:foregroundMark x1="87719" y1="40000" x2="87719" y2="50000"/>
+                        <a14:foregroundMark x1="87719" y1="43333" x2="78947" y2="25000"/>
+                        <a14:foregroundMark x1="78947" y1="25000" x2="63158" y2="20000"/>
+                        <a14:foregroundMark x1="63158" y1="20000" x2="61404" y2="20000"/>
+                        <a14:foregroundMark x1="61404" y1="20000" x2="78947" y2="25000"/>
+                        <a14:foregroundMark x1="78947" y1="25000" x2="84211" y2="30000"/>
+                        <a14:foregroundMark x1="50877" y1="41667" x2="26316" y2="65000"/>
+                        <a14:foregroundMark x1="24561" y1="63333" x2="36842" y2="51667"/>
+                        <a14:foregroundMark x1="36842" y1="51667" x2="45614" y2="46667"/>
+                        <a14:foregroundMark x1="61404" y1="18333" x2="77193" y2="23333"/>
+                        <a14:foregroundMark x1="77193" y1="23333" x2="78947" y2="25000"/>
+                      </a14:backgroundRemoval>
+                    </a14:imgEffect>
+                  </a14:imgLayer>
+                </a14:imgProps>
+              </a:ext>
+            </a:extLst>
+          </a:blip>
+          <a:stretch>
+            <a:fillRect/>
+          </a:stretch>
+        </p:blipFill>
+        <p:spPr>
+          <a:xfrm flipH="1">
+            <a:off x="9758467" y="303125"/>
+            <a:ext cx="485312" cy="510855"/>
+          </a:xfrm>
+          <a:prstGeom prst="rect">
+            <a:avLst/>
+          </a:prstGeom>
+          <a:effectLst>
+            <a:outerShdw blurRad="63500" dist="12700" sx="110000" sy="110000" algn="ctr" rotWithShape="0">
+              <a:schemeClr val="bg1">
+                <a:alpha val="30000"/>
+              </a:schemeClr>
+            </a:outerShdw>
+            <a:softEdge rad="22225"/>
+          </a:effectLst>
+        </p:spPr>
+      </p:pic>
+      <p:pic>
+        <p:nvPicPr>
+          <p:cNvPr id="42" name="Imagem 41" descr="Uma imagem contendo parede, interior&#10;&#10;Descrição gerada automaticamente">
+            <a:extLst>
+              <a:ext uri="{FF2B5EF4-FFF2-40B4-BE49-F238E27FC236}">
+                <a16:creationId xmlns:a16="http://schemas.microsoft.com/office/drawing/2014/main" id="{F89F22B3-E9D3-4325-B522-FD223488C9E2}"/>
+              </a:ext>
+            </a:extLst>
+          </p:cNvPr>
+          <p:cNvPicPr>
+            <a:picLocks noChangeAspect="1"/>
+          </p:cNvPicPr>
+          <p:nvPr/>
+        </p:nvPicPr>
+        <p:blipFill rotWithShape="1">
+          <a:blip r:embed="rId3">
+            <a:extLst>
+              <a:ext uri="{28A0092B-C50C-407E-A947-70E740481C1C}">
+                <a14:useLocalDpi xmlns:a14="http://schemas.microsoft.com/office/drawing/2010/main" val="0"/>
+              </a:ext>
+            </a:extLst>
+          </a:blip>
+          <a:srcRect l="13663" t="57991" r="67183" b="23809"/>
+          <a:stretch/>
+        </p:blipFill>
+        <p:spPr>
+          <a:xfrm>
+            <a:off x="10465867" y="198553"/>
+            <a:ext cx="754332" cy="720000"/>
+          </a:xfrm>
+          <a:prstGeom prst="rect">
+            <a:avLst/>
+          </a:prstGeom>
+        </p:spPr>
+      </p:pic>
+      <p:pic>
+        <p:nvPicPr>
+          <p:cNvPr id="41" name="Imagem 40">
+            <a:extLst>
+              <a:ext uri="{FF2B5EF4-FFF2-40B4-BE49-F238E27FC236}">
+                <a16:creationId xmlns:a16="http://schemas.microsoft.com/office/drawing/2014/main" id="{A487A823-1AAA-407E-991E-EBFB52FA3CB5}"/>
+              </a:ext>
+            </a:extLst>
+          </p:cNvPr>
+          <p:cNvPicPr>
+            <a:picLocks noChangeAspect="1"/>
+          </p:cNvPicPr>
+          <p:nvPr/>
+        </p:nvPicPr>
+        <p:blipFill>
+          <a:blip r:embed="rId8">
+            <a:extLst>
+              <a:ext uri="{BEBA8EAE-BF5A-486C-A8C5-ECC9F3942E4B}">
+                <a14:imgProps xmlns:a14="http://schemas.microsoft.com/office/drawing/2010/main">
+                  <a14:imgLayer r:embed="rId9">
+                    <a14:imgEffect>
+                      <a14:backgroundRemoval t="6061" b="89899" l="7143" r="95918">
+                        <a14:foregroundMark x1="9184" y1="51515" x2="9184" y2="65657"/>
+                        <a14:foregroundMark x1="9184" y1="65657" x2="11224" y2="69697"/>
+                        <a14:foregroundMark x1="9184" y1="58586" x2="7143" y2="64646"/>
+                        <a14:foregroundMark x1="15306" y1="78788" x2="26531" y2="87879"/>
+                        <a14:foregroundMark x1="26531" y1="87879" x2="42857" y2="89899"/>
+                        <a14:foregroundMark x1="42857" y1="89899" x2="51020" y2="86869"/>
+                        <a14:foregroundMark x1="88776" y1="49495" x2="91837" y2="36364"/>
+                        <a14:foregroundMark x1="91837" y1="36364" x2="87755" y2="23232"/>
+                        <a14:foregroundMark x1="87755" y1="23232" x2="84694" y2="19192"/>
+                        <a14:foregroundMark x1="80612" y1="13131" x2="79592" y2="13131"/>
+                        <a14:foregroundMark x1="73469" y1="12121" x2="60204" y2="8081"/>
+                        <a14:foregroundMark x1="60204" y1="8081" x2="46939" y2="11111"/>
+                        <a14:foregroundMark x1="46939" y1="11111" x2="44898" y2="12121"/>
+                        <a14:foregroundMark x1="42857" y1="12121" x2="54082" y2="8081"/>
+                        <a14:foregroundMark x1="78571" y1="13131" x2="79592" y2="6061"/>
+                        <a14:foregroundMark x1="82653" y1="15152" x2="86735" y2="10101"/>
+                        <a14:foregroundMark x1="85714" y1="17172" x2="91837" y2="14141"/>
+                        <a14:foregroundMark x1="86735" y1="20202" x2="95918" y2="20202"/>
+                      </a14:backgroundRemoval>
+                    </a14:imgEffect>
+                  </a14:imgLayer>
+                </a14:imgProps>
+              </a:ext>
+            </a:extLst>
+          </a:blip>
+          <a:stretch>
+            <a:fillRect/>
+          </a:stretch>
+        </p:blipFill>
+        <p:spPr>
+          <a:xfrm>
+            <a:off x="10575761" y="301253"/>
+            <a:ext cx="534545" cy="540000"/>
+          </a:xfrm>
+          <a:prstGeom prst="rect">
+            <a:avLst/>
+          </a:prstGeom>
+          <a:effectLst>
+            <a:outerShdw blurRad="63500" dist="12700" sx="105000" sy="105000" algn="ctr" rotWithShape="0">
+              <a:schemeClr val="bg1">
+                <a:alpha val="30000"/>
+              </a:schemeClr>
+            </a:outerShdw>
+            <a:softEdge rad="25400"/>
+          </a:effectLst>
+        </p:spPr>
+      </p:pic>
+      <p:pic>
+        <p:nvPicPr>
+          <p:cNvPr id="43" name="Imagem 42" descr="Uma imagem contendo parede, interior&#10;&#10;Descrição gerada automaticamente">
+            <a:extLst>
+              <a:ext uri="{FF2B5EF4-FFF2-40B4-BE49-F238E27FC236}">
+                <a16:creationId xmlns:a16="http://schemas.microsoft.com/office/drawing/2014/main" id="{DE7BD2E2-04D1-4BBB-A7D6-721759B9FCC7}"/>
+              </a:ext>
+            </a:extLst>
+          </p:cNvPr>
+          <p:cNvPicPr>
+            <a:picLocks noChangeAspect="1"/>
+          </p:cNvPicPr>
+          <p:nvPr/>
+        </p:nvPicPr>
+        <p:blipFill rotWithShape="1">
+          <a:blip r:embed="rId3">
+            <a:extLst>
+              <a:ext uri="{28A0092B-C50C-407E-A947-70E740481C1C}">
+                <a14:useLocalDpi xmlns:a14="http://schemas.microsoft.com/office/drawing/2010/main" val="0"/>
+              </a:ext>
+            </a:extLst>
+          </a:blip>
+          <a:srcRect l="13663" t="57991" r="67183" b="23809"/>
+          <a:stretch/>
+        </p:blipFill>
+        <p:spPr>
+          <a:xfrm>
+            <a:off x="11330093" y="198553"/>
+            <a:ext cx="754332" cy="720000"/>
+          </a:xfrm>
+          <a:prstGeom prst="rect">
+            <a:avLst/>
+          </a:prstGeom>
+        </p:spPr>
+      </p:pic>
+      <p:pic>
+        <p:nvPicPr>
+          <p:cNvPr id="44" name="Imagem 43">
+            <a:extLst>
+              <a:ext uri="{FF2B5EF4-FFF2-40B4-BE49-F238E27FC236}">
+                <a16:creationId xmlns:a16="http://schemas.microsoft.com/office/drawing/2014/main" id="{6F029C73-2AE0-4BF5-AD46-DDC235C18BAE}"/>
+              </a:ext>
+            </a:extLst>
+          </p:cNvPr>
+          <p:cNvPicPr>
+            <a:picLocks noChangeAspect="1"/>
+          </p:cNvPicPr>
+          <p:nvPr/>
+        </p:nvPicPr>
+        <p:blipFill>
+          <a:blip r:embed="rId10">
+            <a:extLst>
+              <a:ext uri="{BEBA8EAE-BF5A-486C-A8C5-ECC9F3942E4B}">
+                <a14:imgProps xmlns:a14="http://schemas.microsoft.com/office/drawing/2010/main">
+                  <a14:imgLayer r:embed="rId11">
+                    <a14:imgEffect>
+                      <a14:backgroundRemoval t="9091" b="90909" l="7071" r="89899">
+                        <a14:foregroundMark x1="21212" y1="15152" x2="7071" y2="56566"/>
+                        <a14:foregroundMark x1="7071" y1="56566" x2="7521" y2="58067"/>
+                        <a14:foregroundMark x1="42424" y1="87879" x2="52525" y2="90909"/>
+                        <a14:foregroundMark x1="52525" y1="90909" x2="56566" y2="87879"/>
+                        <a14:foregroundMark x1="89235" y1="58874" x2="89899" y2="55556"/>
+                        <a14:foregroundMark x1="87879" y1="65657" x2="88863" y2="60737"/>
+                        <a14:foregroundMark x1="89899" y1="55556" x2="86869" y2="46465"/>
+                        <a14:foregroundMark x1="86869" y1="46465" x2="84848" y2="43434"/>
+                        <a14:backgroundMark x1="14141" y1="72727" x2="6061" y2="66667"/>
+                        <a14:backgroundMark x1="94949" y1="73737" x2="91919" y2="68687"/>
+                        <a14:backgroundMark x1="89899" y1="68687" x2="90909" y2="66667"/>
+                        <a14:backgroundMark x1="42424" y1="93939" x2="38384" y2="88889"/>
+                        <a14:backgroundMark x1="43434" y1="93939" x2="38384" y2="87879"/>
+                      </a14:backgroundRemoval>
+                    </a14:imgEffect>
+                  </a14:imgLayer>
+                </a14:imgProps>
+              </a:ext>
+            </a:extLst>
+          </a:blip>
+          <a:stretch>
+            <a:fillRect/>
+          </a:stretch>
+        </p:blipFill>
+        <p:spPr>
+          <a:xfrm>
+            <a:off x="11437259" y="312168"/>
+            <a:ext cx="540000" cy="540000"/>
+          </a:xfrm>
+          <a:prstGeom prst="rect">
+            <a:avLst/>
+          </a:prstGeom>
+          <a:effectLst>
+            <a:outerShdw blurRad="63500" sx="102000" sy="102000" algn="ctr" rotWithShape="0">
+              <a:schemeClr val="bg1">
+                <a:alpha val="40000"/>
+              </a:schemeClr>
+            </a:outerShdw>
+            <a:softEdge rad="19050"/>
+          </a:effectLst>
+        </p:spPr>
+      </p:pic>
+      <p:pic>
+        <p:nvPicPr>
+          <p:cNvPr id="46" name="Imagem 45" descr="Uma imagem contendo parede, interior&#10;&#10;Descrição gerada automaticamente">
+            <a:extLst>
+              <a:ext uri="{FF2B5EF4-FFF2-40B4-BE49-F238E27FC236}">
+                <a16:creationId xmlns:a16="http://schemas.microsoft.com/office/drawing/2014/main" id="{30EAFE4E-4DF6-41E6-AFF8-20C501FE5693}"/>
+              </a:ext>
+            </a:extLst>
+          </p:cNvPr>
+          <p:cNvPicPr>
+            <a:picLocks noChangeAspect="1"/>
+          </p:cNvPicPr>
+          <p:nvPr/>
+        </p:nvPicPr>
+        <p:blipFill rotWithShape="1">
+          <a:blip r:embed="rId3">
+            <a:extLst>
+              <a:ext uri="{28A0092B-C50C-407E-A947-70E740481C1C}">
+                <a14:useLocalDpi xmlns:a14="http://schemas.microsoft.com/office/drawing/2010/main" val="0"/>
+              </a:ext>
+            </a:extLst>
+          </a:blip>
+          <a:srcRect l="13663" t="57991" r="67183" b="23809"/>
+          <a:stretch/>
+        </p:blipFill>
+        <p:spPr>
+          <a:xfrm>
+            <a:off x="8782046" y="984939"/>
+            <a:ext cx="754332" cy="720000"/>
+          </a:xfrm>
+          <a:prstGeom prst="rect">
+            <a:avLst/>
+          </a:prstGeom>
+        </p:spPr>
+      </p:pic>
+      <p:pic>
+        <p:nvPicPr>
+          <p:cNvPr id="45" name="Imagem 44">
+            <a:extLst>
+              <a:ext uri="{FF2B5EF4-FFF2-40B4-BE49-F238E27FC236}">
+                <a16:creationId xmlns:a16="http://schemas.microsoft.com/office/drawing/2014/main" id="{2E352D7C-5727-4721-9F71-02ADBAD9FF42}"/>
+              </a:ext>
+            </a:extLst>
+          </p:cNvPr>
+          <p:cNvPicPr>
+            <a:picLocks noChangeAspect="1"/>
+          </p:cNvPicPr>
+          <p:nvPr/>
+        </p:nvPicPr>
+        <p:blipFill>
+          <a:blip r:embed="rId12">
+            <a:duotone>
+              <a:prstClr val="black"/>
+              <a:schemeClr val="accent2">
+                <a:tint val="45000"/>
+                <a:satMod val="400000"/>
+              </a:schemeClr>
+            </a:duotone>
+            <a:extLst>
+              <a:ext uri="{BEBA8EAE-BF5A-486C-A8C5-ECC9F3942E4B}">
+                <a14:imgProps xmlns:a14="http://schemas.microsoft.com/office/drawing/2010/main">
+                  <a14:imgLayer r:embed="rId11">
+                    <a14:imgEffect>
+                      <a14:backgroundRemoval t="9091" b="90909" l="7071" r="89899">
+                        <a14:foregroundMark x1="21212" y1="15152" x2="7071" y2="56566"/>
+                        <a14:foregroundMark x1="7071" y1="56566" x2="7521" y2="58067"/>
+                        <a14:foregroundMark x1="46439" y1="89083" x2="49636" y2="90042"/>
+                        <a14:foregroundMark x1="42424" y1="87879" x2="46219" y2="89017"/>
+                        <a14:backgroundMark x1="14141" y1="72727" x2="6061" y2="66667"/>
+                        <a14:backgroundMark x1="94949" y1="73737" x2="91919" y2="68687"/>
+                        <a14:backgroundMark x1="89899" y1="68687" x2="90909" y2="66667"/>
+                        <a14:backgroundMark x1="42424" y1="93939" x2="38384" y2="88889"/>
+                        <a14:backgroundMark x1="43434" y1="93939" x2="38384" y2="87879"/>
+                        <a14:backgroundMark x1="51515" y1="95960" x2="52525" y2="73737"/>
+                        <a14:backgroundMark x1="52525" y1="73737" x2="59596" y2="65657"/>
+                        <a14:backgroundMark x1="59596" y1="65657" x2="69697" y2="59596"/>
+                        <a14:backgroundMark x1="69697" y1="59596" x2="71717" y2="48485"/>
+                        <a14:backgroundMark x1="71717" y1="48485" x2="64646" y2="29293"/>
+                        <a14:backgroundMark x1="64646" y1="29293" x2="80808" y2="7071"/>
+                        <a14:backgroundMark x1="81818" y1="25253" x2="78788" y2="36364"/>
+                        <a14:backgroundMark x1="78788" y1="36364" x2="87879" y2="42424"/>
+                        <a14:backgroundMark x1="87879" y1="42424" x2="78788" y2="52525"/>
+                        <a14:backgroundMark x1="78788" y1="52525" x2="81818" y2="62626"/>
+                        <a14:backgroundMark x1="81818" y1="62626" x2="70707" y2="67677"/>
+                        <a14:backgroundMark x1="70707" y1="67677" x2="64646" y2="79798"/>
+                        <a14:backgroundMark x1="64646" y1="79798" x2="56566" y2="85859"/>
+                        <a14:backgroundMark x1="56566" y1="85859" x2="56566" y2="86869"/>
+                        <a14:backgroundMark x1="55556" y1="90909" x2="63636" y2="85859"/>
+                        <a14:backgroundMark x1="82828" y1="71717" x2="90909" y2="63636"/>
+                        <a14:backgroundMark x1="90909" y1="63636" x2="90909" y2="69697"/>
+                        <a14:backgroundMark x1="60606" y1="83838" x2="54545" y2="92929"/>
+                        <a14:backgroundMark x1="54545" y1="92929" x2="53535" y2="92929"/>
+                      </a14:backgroundRemoval>
+                    </a14:imgEffect>
+                    <a14:imgEffect>
+                      <a14:colorTemperature colorTemp="4700"/>
+                    </a14:imgEffect>
+                    <a14:imgEffect>
+                      <a14:saturation sat="0"/>
+                    </a14:imgEffect>
+                  </a14:imgLayer>
+                </a14:imgProps>
+              </a:ext>
+            </a:extLst>
+          </a:blip>
+          <a:stretch>
+            <a:fillRect/>
+          </a:stretch>
+        </p:blipFill>
+        <p:spPr>
+          <a:xfrm>
+            <a:off x="8912902" y="1074939"/>
+            <a:ext cx="540000" cy="540000"/>
+          </a:xfrm>
+          <a:prstGeom prst="rect">
+            <a:avLst/>
+          </a:prstGeom>
+          <a:effectLst>
+            <a:outerShdw blurRad="63500" sx="102000" sy="102000" algn="ctr" rotWithShape="0">
+              <a:schemeClr val="bg1">
+                <a:alpha val="40000"/>
+              </a:schemeClr>
+            </a:outerShdw>
+            <a:softEdge rad="19050"/>
+          </a:effectLst>
+        </p:spPr>
+      </p:pic>
+      <p:pic>
+        <p:nvPicPr>
+          <p:cNvPr id="47" name="Imagem 46" descr="Uma imagem contendo parede, interior&#10;&#10;Descrição gerada automaticamente">
+            <a:extLst>
+              <a:ext uri="{FF2B5EF4-FFF2-40B4-BE49-F238E27FC236}">
+                <a16:creationId xmlns:a16="http://schemas.microsoft.com/office/drawing/2014/main" id="{34A3842C-386C-482D-8FE4-A5520DADEB52}"/>
+              </a:ext>
+            </a:extLst>
+          </p:cNvPr>
+          <p:cNvPicPr>
+            <a:picLocks noChangeAspect="1"/>
+          </p:cNvPicPr>
+          <p:nvPr/>
+        </p:nvPicPr>
+        <p:blipFill rotWithShape="1">
+          <a:blip r:embed="rId3">
+            <a:extLst>
+              <a:ext uri="{28A0092B-C50C-407E-A947-70E740481C1C}">
+                <a14:useLocalDpi xmlns:a14="http://schemas.microsoft.com/office/drawing/2010/main" val="0"/>
+              </a:ext>
+            </a:extLst>
+          </a:blip>
+          <a:srcRect l="13663" t="57991" r="67183" b="23809"/>
+          <a:stretch/>
+        </p:blipFill>
+        <p:spPr>
+          <a:xfrm>
+            <a:off x="9625810" y="984939"/>
+            <a:ext cx="754332" cy="720000"/>
+          </a:xfrm>
+          <a:prstGeom prst="rect">
+            <a:avLst/>
+          </a:prstGeom>
+        </p:spPr>
+      </p:pic>
+      <p:pic>
+        <p:nvPicPr>
+          <p:cNvPr id="48" name="Imagem 47">
+            <a:extLst>
+              <a:ext uri="{FF2B5EF4-FFF2-40B4-BE49-F238E27FC236}">
+                <a16:creationId xmlns:a16="http://schemas.microsoft.com/office/drawing/2014/main" id="{98698683-660D-47DD-8A0B-7B48FFE3A487}"/>
+              </a:ext>
+            </a:extLst>
+          </p:cNvPr>
+          <p:cNvPicPr>
+            <a:picLocks noChangeAspect="1"/>
+          </p:cNvPicPr>
+          <p:nvPr/>
+        </p:nvPicPr>
+        <p:blipFill>
+          <a:blip r:embed="rId13">
+            <a:duotone>
+              <a:prstClr val="black"/>
+              <a:schemeClr val="accent2">
+                <a:tint val="45000"/>
+                <a:satMod val="400000"/>
+              </a:schemeClr>
+            </a:duotone>
+            <a:extLst>
+              <a:ext uri="{BEBA8EAE-BF5A-486C-A8C5-ECC9F3942E4B}">
+                <a14:imgProps xmlns:a14="http://schemas.microsoft.com/office/drawing/2010/main">
+                  <a14:imgLayer r:embed="rId11">
+                    <a14:imgEffect>
+                      <a14:backgroundRemoval t="9091" b="90909" l="7071" r="89899">
+                        <a14:foregroundMark x1="56289" y1="79721" x2="58586" y2="76768"/>
+                        <a14:foregroundMark x1="69539" y1="74776" x2="69697" y2="74747"/>
+                        <a14:foregroundMark x1="58586" y1="76768" x2="69123" y2="74851"/>
+                        <a14:foregroundMark x1="70593" y1="64887" x2="70707" y2="63636"/>
+                        <a14:foregroundMark x1="69813" y1="73471" x2="70532" y2="65563"/>
+                        <a14:foregroundMark x1="69697" y1="74747" x2="69744" y2="74227"/>
+                        <a14:foregroundMark x1="70707" y1="63636" x2="81818" y2="60606"/>
+                        <a14:foregroundMark x1="81818" y1="60606" x2="86869" y2="61616"/>
+                        <a14:foregroundMark x1="80624" y1="52433" x2="78788" y2="51515"/>
+                        <a14:foregroundMark x1="88889" y1="56566" x2="85862" y2="55053"/>
+                        <a14:foregroundMark x1="78788" y1="51515" x2="80103" y2="48227"/>
+                        <a14:foregroundMark x1="89899" y1="64646" x2="79798" y2="71717"/>
+                        <a14:foregroundMark x1="55352" y1="77981" x2="62626" y2="70707"/>
+                        <a14:foregroundMark x1="71456" y1="67764" x2="71717" y2="67677"/>
+                        <a14:foregroundMark x1="62626" y1="70707" x2="71320" y2="67809"/>
+                        <a14:foregroundMark x1="68107" y1="58650" x2="67677" y2="57576"/>
+                        <a14:foregroundMark x1="71717" y1="67677" x2="70571" y2="64811"/>
+                        <a14:foregroundMark x1="67677" y1="57576" x2="66667" y2="58586"/>
+                        <a14:foregroundMark x1="61616" y1="71717" x2="58129" y2="71400"/>
+                        <a14:foregroundMark x1="70146" y1="59783" x2="70707" y2="59596"/>
+                        <a14:foregroundMark x1="69136" y1="60120" x2="69941" y2="59852"/>
+                        <a14:foregroundMark x1="63297" y1="62066" x2="68676" y2="60273"/>
+                        <a14:foregroundMark x1="68803" y1="60635" x2="62365" y2="64147"/>
+                        <a14:foregroundMark x1="70046" y1="59957" x2="69234" y2="60399"/>
+                        <a14:foregroundMark x1="70707" y1="59596" x2="70187" y2="59880"/>
+                        <a14:foregroundMark x1="72727" y1="52525" x2="70131" y2="46814"/>
+                        <a14:foregroundMark x1="70579" y1="45813" x2="72727" y2="52525"/>
+                        <a14:foregroundMark x1="67808" y1="37152" x2="69420" y2="42190"/>
+                        <a14:foregroundMark x1="80184" y1="22335" x2="78988" y2="19643"/>
+                        <a14:foregroundMark x1="82828" y1="28283" x2="80600" y2="23269"/>
+                        <a14:foregroundMark x1="75758" y1="53535" x2="67677" y2="33333"/>
+                        <a14:foregroundMark x1="67677" y1="33333" x2="67677" y2="33333"/>
+                        <a14:foregroundMark x1="67677" y1="36364" x2="71717" y2="47475"/>
+                        <a14:foregroundMark x1="52525" y1="87879" x2="52525" y2="87879"/>
+                        <a14:backgroundMark x1="14141" y1="72727" x2="6061" y2="66667"/>
+                        <a14:backgroundMark x1="42424" y1="93939" x2="38384" y2="88889"/>
+                        <a14:backgroundMark x1="43434" y1="93939" x2="38384" y2="87879"/>
+                        <a14:backgroundMark x1="78788" y1="8081" x2="82828" y2="18182"/>
+                        <a14:backgroundMark x1="82828" y1="18182" x2="83838" y2="18182"/>
+                        <a14:backgroundMark x1="87879" y1="35354" x2="89899" y2="46465"/>
+                        <a14:backgroundMark x1="89899" y1="46465" x2="92929" y2="50505"/>
+                        <a14:backgroundMark x1="61616" y1="93939" x2="64646" y2="87879"/>
+                        <a14:backgroundMark x1="61616" y1="88889" x2="57576" y2="91919"/>
+                        <a14:backgroundMark x1="46924" y1="87879" x2="47475" y2="81818"/>
+                        <a14:backgroundMark x1="46465" y1="92929" x2="46924" y2="87879"/>
+                        <a14:backgroundMark x1="47475" y1="81818" x2="45455" y2="70707"/>
+                        <a14:backgroundMark x1="45455" y1="70707" x2="23232" y2="59596"/>
+                        <a14:backgroundMark x1="23232" y1="59596" x2="3030" y2="61616"/>
+                        <a14:backgroundMark x1="3030" y1="61616" x2="7071" y2="63636"/>
+                        <a14:backgroundMark x1="48598" y1="87879" x2="50505" y2="70707"/>
+                        <a14:backgroundMark x1="47709" y1="95878" x2="48598" y2="87879"/>
+                        <a14:backgroundMark x1="41181" y1="87879" x2="44444" y2="93939"/>
+                        <a14:backgroundMark x1="37374" y1="80808" x2="41181" y2="87879"/>
+                        <a14:backgroundMark x1="44444" y1="93939" x2="42424" y2="87879"/>
+                        <a14:backgroundMark x1="47475" y1="87879" x2="49495" y2="93939"/>
+                        <a14:backgroundMark x1="46465" y1="84848" x2="47475" y2="87879"/>
+                        <a14:backgroundMark x1="48485" y1="69697" x2="52525" y2="55556"/>
+                        <a14:backgroundMark x1="52525" y1="55556" x2="49495" y2="43434"/>
+                        <a14:backgroundMark x1="49495" y1="43434" x2="37374" y2="37374"/>
+                        <a14:backgroundMark x1="37374" y1="37374" x2="27273" y2="36364"/>
+                        <a14:backgroundMark x1="27273" y1="36364" x2="6061" y2="44444"/>
+                        <a14:backgroundMark x1="6061" y1="44444" x2="5051" y2="57576"/>
+                        <a14:backgroundMark x1="5051" y1="57576" x2="47475" y2="68687"/>
+                        <a14:backgroundMark x1="46465" y1="64646" x2="56566" y2="56566"/>
+                        <a14:backgroundMark x1="56566" y1="56566" x2="58002" y2="52258"/>
+                        <a14:backgroundMark x1="55927" y1="33333" x2="52525" y2="25253"/>
+                        <a14:backgroundMark x1="58544" y1="39548" x2="55927" y2="33333"/>
+                        <a14:backgroundMark x1="52525" y1="25253" x2="40404" y2="16162"/>
+                        <a14:backgroundMark x1="40404" y1="16162" x2="16162" y2="12121"/>
+                        <a14:backgroundMark x1="16162" y1="12121" x2="11111" y2="25253"/>
+                        <a14:backgroundMark x1="11111" y1="25253" x2="23232" y2="33333"/>
+                        <a14:backgroundMark x1="23232" y1="33333" x2="33333" y2="33333"/>
+                        <a14:backgroundMark x1="33333" y1="33333" x2="45455" y2="32323"/>
+                        <a14:backgroundMark x1="45455" y1="32323" x2="55556" y2="29293"/>
+                        <a14:backgroundMark x1="55556" y1="29293" x2="55556" y2="27273"/>
+                        <a14:backgroundMark x1="48485" y1="68687" x2="66667" y2="54545"/>
+                        <a14:backgroundMark x1="66667" y1="54545" x2="65225" y2="49739"/>
+                        <a14:backgroundMark x1="58690" y1="39498" x2="57576" y2="38384"/>
+                        <a14:backgroundMark x1="66667" y1="53535" x2="67591" y2="48914"/>
+                        <a14:backgroundMark x1="63636" y1="33333" x2="59596" y2="25253"/>
+                        <a14:backgroundMark x1="65526" y1="37113" x2="63636" y2="33333"/>
+                        <a14:backgroundMark x1="64595" y1="24824" x2="59596" y2="32323"/>
+                        <a14:backgroundMark x1="65657" y1="23232" x2="64776" y2="24553"/>
+                        <a14:backgroundMark x1="64016" y1="22653" x2="69697" y2="16162"/>
+                        <a14:backgroundMark x1="62626" y1="24242" x2="63870" y2="22821"/>
+                        <a14:backgroundMark x1="63060" y1="20586" x2="60606" y2="22222"/>
+                        <a14:backgroundMark x1="69697" y1="16162" x2="63162" y2="20518"/>
+                        <a14:backgroundMark x1="60606" y1="22222" x2="60606" y2="23232"/>
+                      </a14:backgroundRemoval>
+                    </a14:imgEffect>
+                    <a14:imgEffect>
+                      <a14:colorTemperature colorTemp="4700"/>
+                    </a14:imgEffect>
+                    <a14:imgEffect>
+                      <a14:saturation sat="33000"/>
+                    </a14:imgEffect>
+                  </a14:imgLayer>
+                </a14:imgProps>
+              </a:ext>
+            </a:extLst>
+          </a:blip>
+          <a:stretch>
+            <a:fillRect/>
+          </a:stretch>
+        </p:blipFill>
+        <p:spPr>
+          <a:xfrm>
+            <a:off x="9667234" y="1074939"/>
+            <a:ext cx="540000" cy="540000"/>
+          </a:xfrm>
+          <a:prstGeom prst="rect">
+            <a:avLst/>
+          </a:prstGeom>
+          <a:effectLst>
+            <a:outerShdw blurRad="63500" sx="102000" sy="102000" algn="ctr" rotWithShape="0">
+              <a:schemeClr val="bg1">
+                <a:alpha val="40000"/>
+              </a:schemeClr>
+            </a:outerShdw>
+            <a:softEdge rad="12700"/>
+          </a:effectLst>
+        </p:spPr>
+      </p:pic>
     </p:spTree>
     <p:extLst>
       <p:ext uri="{BB962C8B-B14F-4D97-AF65-F5344CB8AC3E}">
         <p14:creationId xmlns:p14="http://schemas.microsoft.com/office/powerpoint/2010/main" val="4399123"/>
+      </p:ext>
+    </p:extLst>
+  </p:cSld>
+  <p:clrMapOvr>
+    <a:masterClrMapping/>
+  </p:clrMapOvr>
+</p:sld>
+</file>
+
+<file path=ppt/slides/slide2.xml><?xml version="1.0" encoding="utf-8"?>
+<p:sld xmlns:a="http://schemas.openxmlformats.org/drawingml/2006/main" xmlns:r="http://schemas.openxmlformats.org/officeDocument/2006/relationships" xmlns:p="http://schemas.openxmlformats.org/presentationml/2006/main">
+  <p:cSld>
+    <p:spTree>
+      <p:nvGrpSpPr>
+        <p:cNvPr id="1" name=""/>
+        <p:cNvGrpSpPr/>
+        <p:nvPr/>
+      </p:nvGrpSpPr>
+      <p:grpSpPr>
+        <a:xfrm>
+          <a:off x="0" y="0"/>
+          <a:ext cx="0" cy="0"/>
+          <a:chOff x="0" y="0"/>
+          <a:chExt cx="0" cy="0"/>
+        </a:xfrm>
+      </p:grpSpPr>
+      <p:pic>
+        <p:nvPicPr>
+          <p:cNvPr id="2" name="Imagem 1" descr="Uma imagem contendo interior, parede, chão, mesa&#10;&#10;Descrição gerada automaticamente">
+            <a:extLst>
+              <a:ext uri="{FF2B5EF4-FFF2-40B4-BE49-F238E27FC236}">
+                <a16:creationId xmlns:a16="http://schemas.microsoft.com/office/drawing/2014/main" id="{7254E302-E12D-4D62-93DA-3518459D8670}"/>
+              </a:ext>
+            </a:extLst>
+          </p:cNvPr>
+          <p:cNvPicPr>
+            <a:picLocks noChangeAspect="1"/>
+          </p:cNvPicPr>
+          <p:nvPr/>
+        </p:nvPicPr>
+        <p:blipFill>
+          <a:blip r:embed="rId2">
+            <a:alphaModFix amt="50000"/>
+            <a:extLst>
+              <a:ext uri="{28A0092B-C50C-407E-A947-70E740481C1C}">
+                <a14:useLocalDpi xmlns:a14="http://schemas.microsoft.com/office/drawing/2010/main" val="0"/>
+              </a:ext>
+            </a:extLst>
+          </a:blip>
+          <a:stretch>
+            <a:fillRect/>
+          </a:stretch>
+        </p:blipFill>
+        <p:spPr>
+          <a:xfrm>
+            <a:off x="1181372" y="1260968"/>
+            <a:ext cx="7391400" cy="4152900"/>
+          </a:xfrm>
+          <a:prstGeom prst="rect">
+            <a:avLst/>
+          </a:prstGeom>
+        </p:spPr>
+      </p:pic>
+      <p:sp>
+        <p:nvSpPr>
+          <p:cNvPr id="3" name="Retângulo 2">
+            <a:extLst>
+              <a:ext uri="{FF2B5EF4-FFF2-40B4-BE49-F238E27FC236}">
+                <a16:creationId xmlns:a16="http://schemas.microsoft.com/office/drawing/2014/main" id="{071431E7-5465-48C0-AB86-CC2B6B218472}"/>
+              </a:ext>
+            </a:extLst>
+          </p:cNvPr>
+          <p:cNvSpPr/>
+          <p:nvPr/>
+        </p:nvSpPr>
+        <p:spPr>
+          <a:xfrm>
+            <a:off x="1181372" y="1260968"/>
+            <a:ext cx="7380008" cy="4159357"/>
+          </a:xfrm>
+          <a:prstGeom prst="rect">
+            <a:avLst/>
+          </a:prstGeom>
+          <a:solidFill>
+            <a:schemeClr val="bg2">
+              <a:lumMod val="25000"/>
+              <a:alpha val="76000"/>
+            </a:schemeClr>
+          </a:solidFill>
+          <a:ln>
+            <a:noFill/>
+          </a:ln>
+        </p:spPr>
+        <p:style>
+          <a:lnRef idx="2">
+            <a:schemeClr val="accent1">
+              <a:shade val="50000"/>
+            </a:schemeClr>
+          </a:lnRef>
+          <a:fillRef idx="1">
+            <a:schemeClr val="accent1"/>
+          </a:fillRef>
+          <a:effectRef idx="0">
+            <a:schemeClr val="accent1"/>
+          </a:effectRef>
+          <a:fontRef idx="minor">
+            <a:schemeClr val="lt1"/>
+          </a:fontRef>
+        </p:style>
+        <p:txBody>
+          <a:bodyPr rtlCol="0" anchor="ctr"/>
+          <a:lstStyle/>
+          <a:p>
+            <a:pPr algn="ctr"/>
+            <a:endParaRPr lang="pt-BR"/>
+          </a:p>
+        </p:txBody>
+      </p:sp>
+      <p:sp>
+        <p:nvSpPr>
+          <p:cNvPr id="4" name="Elipse 3">
+            <a:extLst>
+              <a:ext uri="{FF2B5EF4-FFF2-40B4-BE49-F238E27FC236}">
+                <a16:creationId xmlns:a16="http://schemas.microsoft.com/office/drawing/2014/main" id="{2C0867AA-2513-434C-BAB5-7A4AFEC7AE3A}"/>
+              </a:ext>
+            </a:extLst>
+          </p:cNvPr>
+          <p:cNvSpPr/>
+          <p:nvPr/>
+        </p:nvSpPr>
+        <p:spPr>
+          <a:xfrm>
+            <a:off x="2833026" y="1676839"/>
+            <a:ext cx="4076700" cy="3314700"/>
+          </a:xfrm>
+          <a:prstGeom prst="ellipse">
+            <a:avLst/>
+          </a:prstGeom>
+          <a:solidFill>
+            <a:schemeClr val="tx1">
+              <a:alpha val="60000"/>
+            </a:schemeClr>
+          </a:solidFill>
+          <a:ln>
+            <a:noFill/>
+          </a:ln>
+        </p:spPr>
+        <p:style>
+          <a:lnRef idx="2">
+            <a:schemeClr val="accent1">
+              <a:shade val="50000"/>
+            </a:schemeClr>
+          </a:lnRef>
+          <a:fillRef idx="1">
+            <a:schemeClr val="accent1"/>
+          </a:fillRef>
+          <a:effectRef idx="0">
+            <a:schemeClr val="accent1"/>
+          </a:effectRef>
+          <a:fontRef idx="minor">
+            <a:schemeClr val="lt1"/>
+          </a:fontRef>
+        </p:style>
+        <p:txBody>
+          <a:bodyPr rtlCol="0" anchor="ctr"/>
+          <a:lstStyle/>
+          <a:p>
+            <a:pPr algn="ctr"/>
+            <a:endParaRPr lang="pt-BR"/>
+          </a:p>
+        </p:txBody>
+      </p:sp>
+      <p:pic>
+        <p:nvPicPr>
+          <p:cNvPr id="5" name="Imagem 4">
+            <a:extLst>
+              <a:ext uri="{FF2B5EF4-FFF2-40B4-BE49-F238E27FC236}">
+                <a16:creationId xmlns:a16="http://schemas.microsoft.com/office/drawing/2014/main" id="{CA5147CF-E6C2-469D-B185-865F566BC03C}"/>
+              </a:ext>
+            </a:extLst>
+          </p:cNvPr>
+          <p:cNvPicPr>
+            <a:picLocks noChangeAspect="1"/>
+          </p:cNvPicPr>
+          <p:nvPr/>
+        </p:nvPicPr>
+        <p:blipFill>
+          <a:blip r:embed="rId3">
+            <a:extLst>
+              <a:ext uri="{BEBA8EAE-BF5A-486C-A8C5-ECC9F3942E4B}">
+                <a14:imgProps xmlns:a14="http://schemas.microsoft.com/office/drawing/2010/main">
+                  <a14:imgLayer r:embed="rId4">
+                    <a14:imgEffect>
+                      <a14:backgroundRemoval t="6061" b="95455" l="9524" r="93651">
+                        <a14:foregroundMark x1="37302" y1="6061" x2="28571" y2="13636"/>
+                        <a14:foregroundMark x1="65873" y1="20455" x2="75397" y2="37879"/>
+                        <a14:foregroundMark x1="75397" y1="37879" x2="81746" y2="56818"/>
+                        <a14:foregroundMark x1="93651" y1="77273" x2="67460" y2="18182"/>
+                        <a14:foregroundMark x1="92857" y1="78788" x2="43651" y2="93939"/>
+                        <a14:foregroundMark x1="43651" y1="93939" x2="26190" y2="64394"/>
+                        <a14:foregroundMark x1="28571" y1="64394" x2="22222" y2="57576"/>
+                        <a14:foregroundMark x1="22222" y1="57576" x2="19048" y2="48485"/>
+                        <a14:foregroundMark x1="19048" y1="48485" x2="19048" y2="47727"/>
+                        <a14:foregroundMark x1="15079" y1="43182" x2="9524" y2="34091"/>
+                        <a14:foregroundMark x1="9524" y1="34091" x2="13492" y2="28030"/>
+                        <a14:foregroundMark x1="22222" y1="40152" x2="15873" y2="31061"/>
+                        <a14:foregroundMark x1="15873" y1="31061" x2="15873" y2="31061"/>
+                        <a14:foregroundMark x1="69048" y1="18939" x2="85714" y2="55303"/>
+                        <a14:foregroundMark x1="85714" y1="55303" x2="92063" y2="73485"/>
+                        <a14:foregroundMark x1="92063" y1="73485" x2="95238" y2="78030"/>
+                        <a14:foregroundMark x1="80952" y1="84848" x2="51587" y2="96212"/>
+                        <a14:foregroundMark x1="51587" y1="96212" x2="41270" y2="93939"/>
+                        <a14:foregroundMark x1="41270" y1="93939" x2="38889" y2="91667"/>
+                        <a14:foregroundMark x1="63492" y1="94697" x2="53175" y2="96212"/>
+                        <a14:foregroundMark x1="53175" y1="96212" x2="42857" y2="95455"/>
+                        <a14:foregroundMark x1="42857" y1="95455" x2="39683" y2="92424"/>
+                        <a14:foregroundMark x1="11905" y1="27273" x2="9524" y2="37121"/>
+                        <a14:foregroundMark x1="9524" y1="37121" x2="26984" y2="70455"/>
+                        <a14:foregroundMark x1="26984" y1="72727" x2="36508" y2="89394"/>
+                        <a14:foregroundMark x1="36508" y1="89394" x2="38889" y2="91667"/>
+                      </a14:backgroundRemoval>
+                    </a14:imgEffect>
+                  </a14:imgLayer>
+                </a14:imgProps>
+              </a:ext>
+            </a:extLst>
+          </a:blip>
+          <a:stretch>
+            <a:fillRect/>
+          </a:stretch>
+        </p:blipFill>
+        <p:spPr>
+          <a:xfrm>
+            <a:off x="10213034" y="2602619"/>
+            <a:ext cx="1577636" cy="1652761"/>
+          </a:xfrm>
+          <a:prstGeom prst="rect">
+            <a:avLst/>
+          </a:prstGeom>
+          <a:effectLst>
+            <a:outerShdw blurRad="63500" sx="102000" sy="102000" algn="ctr" rotWithShape="0">
+              <a:schemeClr val="bg1">
+                <a:alpha val="25000"/>
+              </a:schemeClr>
+            </a:outerShdw>
+          </a:effectLst>
+        </p:spPr>
+      </p:pic>
+      <p:sp>
+        <p:nvSpPr>
+          <p:cNvPr id="6" name="Retângulo: Cantos Arredondados 5">
+            <a:extLst>
+              <a:ext uri="{FF2B5EF4-FFF2-40B4-BE49-F238E27FC236}">
+                <a16:creationId xmlns:a16="http://schemas.microsoft.com/office/drawing/2014/main" id="{A6E9F637-3EBF-4725-B0D7-2DA0399278FC}"/>
+              </a:ext>
+            </a:extLst>
+          </p:cNvPr>
+          <p:cNvSpPr/>
+          <p:nvPr/>
+        </p:nvSpPr>
+        <p:spPr>
+          <a:xfrm>
+            <a:off x="1709076" y="4025900"/>
+            <a:ext cx="6324600" cy="965639"/>
+          </a:xfrm>
+          <a:prstGeom prst="roundRect">
+            <a:avLst/>
+          </a:prstGeom>
+          <a:gradFill>
+            <a:gsLst>
+              <a:gs pos="0">
+                <a:schemeClr val="accent3">
+                  <a:lumMod val="110000"/>
+                  <a:satMod val="105000"/>
+                  <a:tint val="67000"/>
+                  <a:alpha val="85000"/>
+                </a:schemeClr>
+              </a:gs>
+              <a:gs pos="50000">
+                <a:schemeClr val="accent3">
+                  <a:lumMod val="105000"/>
+                  <a:satMod val="103000"/>
+                  <a:tint val="73000"/>
+                  <a:alpha val="85000"/>
+                </a:schemeClr>
+              </a:gs>
+              <a:gs pos="100000">
+                <a:schemeClr val="accent3">
+                  <a:lumMod val="105000"/>
+                  <a:satMod val="109000"/>
+                  <a:tint val="81000"/>
+                  <a:alpha val="85000"/>
+                </a:schemeClr>
+              </a:gs>
+            </a:gsLst>
+          </a:gradFill>
+          <a:ln/>
+        </p:spPr>
+        <p:style>
+          <a:lnRef idx="1">
+            <a:schemeClr val="accent3"/>
+          </a:lnRef>
+          <a:fillRef idx="2">
+            <a:schemeClr val="accent3"/>
+          </a:fillRef>
+          <a:effectRef idx="1">
+            <a:schemeClr val="accent3"/>
+          </a:effectRef>
+          <a:fontRef idx="minor">
+            <a:schemeClr val="dk1"/>
+          </a:fontRef>
+        </p:style>
+        <p:txBody>
+          <a:bodyPr rtlCol="0" anchor="ctr"/>
+          <a:lstStyle/>
+          <a:p>
+            <a:pPr algn="ctr"/>
+            <a:r>
+              <a:rPr lang="en-US" dirty="0">
+                <a:effectLst>
+                  <a:outerShdw blurRad="38100" dist="38100" dir="2700000" algn="tl">
+                    <a:srgbClr val="000000">
+                      <a:alpha val="43137"/>
+                    </a:srgbClr>
+                  </a:outerShdw>
+                </a:effectLst>
+              </a:rPr>
+              <a:t>After tearing up the letter you find a beautiful flat jewel.</a:t>
+            </a:r>
+            <a:endParaRPr lang="pt-BR" dirty="0">
+              <a:effectLst>
+                <a:outerShdw blurRad="38100" dist="38100" dir="2700000" algn="tl">
+                  <a:srgbClr val="000000">
+                    <a:alpha val="43137"/>
+                  </a:srgbClr>
+                </a:outerShdw>
+              </a:effectLst>
+            </a:endParaRPr>
+          </a:p>
+        </p:txBody>
+      </p:sp>
+      <p:pic>
+        <p:nvPicPr>
+          <p:cNvPr id="8" name="Imagem 7">
+            <a:extLst>
+              <a:ext uri="{FF2B5EF4-FFF2-40B4-BE49-F238E27FC236}">
+                <a16:creationId xmlns:a16="http://schemas.microsoft.com/office/drawing/2014/main" id="{42730B0F-3741-4929-84EF-B5F3FEBF1411}"/>
+              </a:ext>
+            </a:extLst>
+          </p:cNvPr>
+          <p:cNvPicPr>
+            <a:picLocks noChangeAspect="1"/>
+          </p:cNvPicPr>
+          <p:nvPr/>
+        </p:nvPicPr>
+        <p:blipFill>
+          <a:blip r:embed="rId5">
+            <a:duotone>
+              <a:prstClr val="black"/>
+              <a:schemeClr val="accent2">
+                <a:tint val="45000"/>
+                <a:satMod val="400000"/>
+              </a:schemeClr>
+            </a:duotone>
+            <a:extLst>
+              <a:ext uri="{BEBA8EAE-BF5A-486C-A8C5-ECC9F3942E4B}">
+                <a14:imgProps xmlns:a14="http://schemas.microsoft.com/office/drawing/2010/main">
+                  <a14:imgLayer r:embed="rId6">
+                    <a14:imgEffect>
+                      <a14:backgroundRemoval t="9091" b="90909" l="7071" r="89899">
+                        <a14:foregroundMark x1="21212" y1="15152" x2="7071" y2="56566"/>
+                        <a14:foregroundMark x1="7071" y1="56566" x2="7521" y2="58067"/>
+                        <a14:foregroundMark x1="46439" y1="89083" x2="49636" y2="90042"/>
+                        <a14:foregroundMark x1="42424" y1="87879" x2="46219" y2="89017"/>
+                        <a14:backgroundMark x1="14141" y1="72727" x2="6061" y2="66667"/>
+                        <a14:backgroundMark x1="94949" y1="73737" x2="91919" y2="68687"/>
+                        <a14:backgroundMark x1="89899" y1="68687" x2="90909" y2="66667"/>
+                        <a14:backgroundMark x1="42424" y1="93939" x2="38384" y2="88889"/>
+                        <a14:backgroundMark x1="43434" y1="93939" x2="38384" y2="87879"/>
+                        <a14:backgroundMark x1="51515" y1="95960" x2="52525" y2="73737"/>
+                        <a14:backgroundMark x1="52525" y1="73737" x2="59596" y2="65657"/>
+                        <a14:backgroundMark x1="59596" y1="65657" x2="69697" y2="59596"/>
+                        <a14:backgroundMark x1="69697" y1="59596" x2="71717" y2="48485"/>
+                        <a14:backgroundMark x1="71717" y1="48485" x2="64646" y2="29293"/>
+                        <a14:backgroundMark x1="64646" y1="29293" x2="80808" y2="7071"/>
+                        <a14:backgroundMark x1="81818" y1="25253" x2="78788" y2="36364"/>
+                        <a14:backgroundMark x1="78788" y1="36364" x2="87879" y2="42424"/>
+                        <a14:backgroundMark x1="87879" y1="42424" x2="78788" y2="52525"/>
+                        <a14:backgroundMark x1="78788" y1="52525" x2="81818" y2="62626"/>
+                        <a14:backgroundMark x1="81818" y1="62626" x2="70707" y2="67677"/>
+                        <a14:backgroundMark x1="70707" y1="67677" x2="64646" y2="79798"/>
+                        <a14:backgroundMark x1="64646" y1="79798" x2="56566" y2="85859"/>
+                        <a14:backgroundMark x1="56566" y1="85859" x2="56566" y2="86869"/>
+                        <a14:backgroundMark x1="55556" y1="90909" x2="63636" y2="85859"/>
+                        <a14:backgroundMark x1="82828" y1="71717" x2="90909" y2="63636"/>
+                        <a14:backgroundMark x1="90909" y1="63636" x2="90909" y2="69697"/>
+                        <a14:backgroundMark x1="60606" y1="83838" x2="54545" y2="92929"/>
+                        <a14:backgroundMark x1="54545" y1="92929" x2="53535" y2="92929"/>
+                      </a14:backgroundRemoval>
+                    </a14:imgEffect>
+                    <a14:imgEffect>
+                      <a14:colorTemperature colorTemp="4700"/>
+                    </a14:imgEffect>
+                    <a14:imgEffect>
+                      <a14:saturation sat="0"/>
+                    </a14:imgEffect>
+                  </a14:imgLayer>
+                </a14:imgProps>
+              </a:ext>
+            </a:extLst>
+          </a:blip>
+          <a:stretch>
+            <a:fillRect/>
+          </a:stretch>
+        </p:blipFill>
+        <p:spPr>
+          <a:xfrm>
+            <a:off x="9044653" y="3698719"/>
+            <a:ext cx="1620000" cy="1620000"/>
+          </a:xfrm>
+          <a:prstGeom prst="rect">
+            <a:avLst/>
+          </a:prstGeom>
+          <a:effectLst>
+            <a:outerShdw blurRad="63500" sx="102000" sy="102000" algn="ctr" rotWithShape="0">
+              <a:schemeClr val="bg1">
+                <a:alpha val="40000"/>
+              </a:schemeClr>
+            </a:outerShdw>
+            <a:softEdge rad="19050"/>
+          </a:effectLst>
+        </p:spPr>
+      </p:pic>
+      <p:pic>
+        <p:nvPicPr>
+          <p:cNvPr id="10" name="Imagem 9">
+            <a:extLst>
+              <a:ext uri="{FF2B5EF4-FFF2-40B4-BE49-F238E27FC236}">
+                <a16:creationId xmlns:a16="http://schemas.microsoft.com/office/drawing/2014/main" id="{549F2FCA-F65A-457A-98C1-D12C32479E8E}"/>
+              </a:ext>
+            </a:extLst>
+          </p:cNvPr>
+          <p:cNvPicPr>
+            <a:picLocks noChangeAspect="1"/>
+          </p:cNvPicPr>
+          <p:nvPr/>
+        </p:nvPicPr>
+        <p:blipFill>
+          <a:blip r:embed="rId7">
+            <a:extLst>
+              <a:ext uri="{BEBA8EAE-BF5A-486C-A8C5-ECC9F3942E4B}">
+                <a14:imgProps xmlns:a14="http://schemas.microsoft.com/office/drawing/2010/main">
+                  <a14:imgLayer r:embed="rId8">
+                    <a14:imgEffect>
+                      <a14:backgroundRemoval t="6061" b="89899" l="7143" r="95918">
+                        <a14:foregroundMark x1="9184" y1="51515" x2="9184" y2="65657"/>
+                        <a14:foregroundMark x1="9184" y1="65657" x2="11224" y2="69697"/>
+                        <a14:foregroundMark x1="9184" y1="58586" x2="7143" y2="64646"/>
+                        <a14:foregroundMark x1="15306" y1="78788" x2="26531" y2="87879"/>
+                        <a14:foregroundMark x1="26531" y1="87879" x2="42857" y2="89899"/>
+                        <a14:foregroundMark x1="42857" y1="89899" x2="51020" y2="86869"/>
+                        <a14:foregroundMark x1="88776" y1="49495" x2="91837" y2="36364"/>
+                        <a14:foregroundMark x1="91837" y1="36364" x2="87755" y2="23232"/>
+                        <a14:foregroundMark x1="87755" y1="23232" x2="84694" y2="19192"/>
+                        <a14:foregroundMark x1="80612" y1="13131" x2="79592" y2="13131"/>
+                        <a14:foregroundMark x1="73469" y1="12121" x2="60204" y2="8081"/>
+                        <a14:foregroundMark x1="60204" y1="8081" x2="46939" y2="11111"/>
+                        <a14:foregroundMark x1="46939" y1="11111" x2="44898" y2="12121"/>
+                        <a14:foregroundMark x1="42857" y1="12121" x2="54082" y2="8081"/>
+                        <a14:foregroundMark x1="78571" y1="13131" x2="79592" y2="6061"/>
+                        <a14:foregroundMark x1="82653" y1="15152" x2="86735" y2="10101"/>
+                        <a14:foregroundMark x1="85714" y1="17172" x2="91837" y2="14141"/>
+                        <a14:foregroundMark x1="86735" y1="20202" x2="95918" y2="20202"/>
+                      </a14:backgroundRemoval>
+                    </a14:imgEffect>
+                  </a14:imgLayer>
+                </a14:imgProps>
+              </a:ext>
+            </a:extLst>
+          </a:blip>
+          <a:stretch>
+            <a:fillRect/>
+          </a:stretch>
+        </p:blipFill>
+        <p:spPr>
+          <a:xfrm>
+            <a:off x="8958745" y="1439573"/>
+            <a:ext cx="1603635" cy="1620000"/>
+          </a:xfrm>
+          <a:prstGeom prst="rect">
+            <a:avLst/>
+          </a:prstGeom>
+          <a:effectLst>
+            <a:outerShdw blurRad="63500" dist="12700" sx="105000" sy="105000" algn="ctr" rotWithShape="0">
+              <a:schemeClr val="bg1">
+                <a:alpha val="30000"/>
+              </a:schemeClr>
+            </a:outerShdw>
+            <a:softEdge rad="25400"/>
+          </a:effectLst>
+        </p:spPr>
+      </p:pic>
+      <p:pic>
+        <p:nvPicPr>
+          <p:cNvPr id="11" name="Imagem 10">
+            <a:extLst>
+              <a:ext uri="{FF2B5EF4-FFF2-40B4-BE49-F238E27FC236}">
+                <a16:creationId xmlns:a16="http://schemas.microsoft.com/office/drawing/2014/main" id="{B183E64A-5C6A-4D33-8693-281C1C5633C4}"/>
+              </a:ext>
+            </a:extLst>
+          </p:cNvPr>
+          <p:cNvPicPr>
+            <a:picLocks noChangeAspect="1"/>
+          </p:cNvPicPr>
+          <p:nvPr/>
+        </p:nvPicPr>
+        <p:blipFill>
+          <a:blip r:embed="rId9">
+            <a:extLst>
+              <a:ext uri="{BEBA8EAE-BF5A-486C-A8C5-ECC9F3942E4B}">
+                <a14:imgProps xmlns:a14="http://schemas.microsoft.com/office/drawing/2010/main">
+                  <a14:imgLayer r:embed="rId10">
+                    <a14:imgEffect>
+                      <a14:backgroundRemoval t="10000" b="90000" l="10000" r="90000">
+                        <a14:foregroundMark x1="12281" y1="73333" x2="17544" y2="80000"/>
+                        <a14:foregroundMark x1="12281" y1="76667" x2="59649" y2="40000"/>
+                        <a14:foregroundMark x1="17544" y1="70000" x2="56140" y2="40000"/>
+                        <a14:foregroundMark x1="14035" y1="71667" x2="45614" y2="50000"/>
+                        <a14:foregroundMark x1="28070" y1="81667" x2="38596" y2="73333"/>
+                        <a14:foregroundMark x1="31579" y1="88333" x2="43860" y2="78333"/>
+                        <a14:foregroundMark x1="43860" y1="78333" x2="43860" y2="78333"/>
+                        <a14:foregroundMark x1="45614" y1="76667" x2="35088" y2="68333"/>
+                        <a14:foregroundMark x1="35088" y1="66667" x2="63158" y2="48333"/>
+                        <a14:foregroundMark x1="64912" y1="48333" x2="82456" y2="51667"/>
+                        <a14:foregroundMark x1="82456" y1="51667" x2="84211" y2="50000"/>
+                        <a14:foregroundMark x1="56140" y1="38333" x2="56140" y2="20000"/>
+                        <a14:foregroundMark x1="56140" y1="20000" x2="57895" y2="18333"/>
+                        <a14:foregroundMark x1="61404" y1="20000" x2="78947" y2="25000"/>
+                        <a14:foregroundMark x1="78947" y1="25000" x2="87719" y2="40000"/>
+                        <a14:foregroundMark x1="87719" y1="40000" x2="87719" y2="50000"/>
+                        <a14:foregroundMark x1="87719" y1="43333" x2="78947" y2="25000"/>
+                        <a14:foregroundMark x1="78947" y1="25000" x2="63158" y2="20000"/>
+                        <a14:foregroundMark x1="63158" y1="20000" x2="61404" y2="20000"/>
+                        <a14:foregroundMark x1="61404" y1="20000" x2="78947" y2="25000"/>
+                        <a14:foregroundMark x1="78947" y1="25000" x2="84211" y2="30000"/>
+                        <a14:foregroundMark x1="50877" y1="41667" x2="26316" y2="65000"/>
+                        <a14:foregroundMark x1="24561" y1="63333" x2="36842" y2="51667"/>
+                        <a14:foregroundMark x1="36842" y1="51667" x2="45614" y2="46667"/>
+                        <a14:foregroundMark x1="61404" y1="18333" x2="77193" y2="23333"/>
+                        <a14:foregroundMark x1="77193" y1="23333" x2="78947" y2="25000"/>
+                      </a14:backgroundRemoval>
+                    </a14:imgEffect>
+                  </a14:imgLayer>
+                </a14:imgProps>
+              </a:ext>
+            </a:extLst>
+          </a:blip>
+          <a:stretch>
+            <a:fillRect/>
+          </a:stretch>
+        </p:blipFill>
+        <p:spPr>
+          <a:xfrm flipH="1">
+            <a:off x="9854653" y="66346"/>
+            <a:ext cx="1538999" cy="1620000"/>
+          </a:xfrm>
+          <a:prstGeom prst="rect">
+            <a:avLst/>
+          </a:prstGeom>
+          <a:effectLst>
+            <a:softEdge rad="22225"/>
+          </a:effectLst>
+        </p:spPr>
+      </p:pic>
+      <p:pic>
+        <p:nvPicPr>
+          <p:cNvPr id="14" name="Imagem 13">
+            <a:extLst>
+              <a:ext uri="{FF2B5EF4-FFF2-40B4-BE49-F238E27FC236}">
+                <a16:creationId xmlns:a16="http://schemas.microsoft.com/office/drawing/2014/main" id="{BA67234A-FA06-4A9E-B960-4CDE95F58842}"/>
+              </a:ext>
+            </a:extLst>
+          </p:cNvPr>
+          <p:cNvPicPr>
+            <a:picLocks noChangeAspect="1"/>
+          </p:cNvPicPr>
+          <p:nvPr/>
+        </p:nvPicPr>
+        <p:blipFill>
+          <a:blip r:embed="rId11">
+            <a:extLst>
+              <a:ext uri="{BEBA8EAE-BF5A-486C-A8C5-ECC9F3942E4B}">
+                <a14:imgProps xmlns:a14="http://schemas.microsoft.com/office/drawing/2010/main">
+                  <a14:imgLayer r:embed="rId6">
+                    <a14:imgEffect>
+                      <a14:backgroundRemoval t="9091" b="90909" l="7071" r="89899">
+                        <a14:foregroundMark x1="21212" y1="15152" x2="7071" y2="56566"/>
+                        <a14:foregroundMark x1="7071" y1="56566" x2="7521" y2="58067"/>
+                        <a14:foregroundMark x1="42424" y1="87879" x2="52525" y2="90909"/>
+                        <a14:foregroundMark x1="52525" y1="90909" x2="56566" y2="87879"/>
+                        <a14:foregroundMark x1="89235" y1="58874" x2="89899" y2="55556"/>
+                        <a14:foregroundMark x1="87879" y1="65657" x2="88863" y2="60737"/>
+                        <a14:foregroundMark x1="89899" y1="55556" x2="86869" y2="46465"/>
+                        <a14:foregroundMark x1="86869" y1="46465" x2="84848" y2="43434"/>
+                        <a14:backgroundMark x1="14141" y1="72727" x2="6061" y2="66667"/>
+                        <a14:backgroundMark x1="94949" y1="73737" x2="91919" y2="68687"/>
+                        <a14:backgroundMark x1="89899" y1="68687" x2="90909" y2="66667"/>
+                        <a14:backgroundMark x1="42424" y1="93939" x2="38384" y2="88889"/>
+                        <a14:backgroundMark x1="43434" y1="93939" x2="38384" y2="87879"/>
+                      </a14:backgroundRemoval>
+                    </a14:imgEffect>
+                    <a14:imgEffect>
+                      <a14:saturation sat="33000"/>
+                    </a14:imgEffect>
+                  </a14:imgLayer>
+                </a14:imgProps>
+              </a:ext>
+            </a:extLst>
+          </a:blip>
+          <a:stretch>
+            <a:fillRect/>
+          </a:stretch>
+        </p:blipFill>
+        <p:spPr>
+          <a:xfrm>
+            <a:off x="4061376" y="2107747"/>
+            <a:ext cx="1620000" cy="1620000"/>
+          </a:xfrm>
+          <a:prstGeom prst="rect">
+            <a:avLst/>
+          </a:prstGeom>
+          <a:effectLst>
+            <a:outerShdw blurRad="63500" sx="102000" sy="102000" algn="ctr" rotWithShape="0">
+              <a:schemeClr val="bg1">
+                <a:alpha val="40000"/>
+              </a:schemeClr>
+            </a:outerShdw>
+            <a:softEdge rad="19050"/>
+          </a:effectLst>
+        </p:spPr>
+      </p:pic>
+    </p:spTree>
+    <p:extLst>
+      <p:ext uri="{BB962C8B-B14F-4D97-AF65-F5344CB8AC3E}">
+        <p14:creationId xmlns:p14="http://schemas.microsoft.com/office/powerpoint/2010/main" val="3830257683"/>
+      </p:ext>
+    </p:extLst>
+  </p:cSld>
+  <p:clrMapOvr>
+    <a:masterClrMapping/>
+  </p:clrMapOvr>
+</p:sld>
+</file>
+
+<file path=ppt/slides/slide3.xml><?xml version="1.0" encoding="utf-8"?>
+<p:sld xmlns:a="http://schemas.openxmlformats.org/drawingml/2006/main" xmlns:r="http://schemas.openxmlformats.org/officeDocument/2006/relationships" xmlns:p="http://schemas.openxmlformats.org/presentationml/2006/main">
+  <p:cSld>
+    <p:spTree>
+      <p:nvGrpSpPr>
+        <p:cNvPr id="1" name=""/>
+        <p:cNvGrpSpPr/>
+        <p:nvPr/>
+      </p:nvGrpSpPr>
+      <p:grpSpPr>
+        <a:xfrm>
+          <a:off x="0" y="0"/>
+          <a:ext cx="0" cy="0"/>
+          <a:chOff x="0" y="0"/>
+          <a:chExt cx="0" cy="0"/>
+        </a:xfrm>
+      </p:grpSpPr>
+      <p:pic>
+        <p:nvPicPr>
+          <p:cNvPr id="3" name="Imagem 2" descr="Uma imagem contendo interior, parede, chão, mesa&#10;&#10;Descrição gerada automaticamente">
+            <a:extLst>
+              <a:ext uri="{FF2B5EF4-FFF2-40B4-BE49-F238E27FC236}">
+                <a16:creationId xmlns:a16="http://schemas.microsoft.com/office/drawing/2014/main" id="{ABC19B81-0822-4AF5-9F60-40C22652FC32}"/>
+              </a:ext>
+            </a:extLst>
+          </p:cNvPr>
+          <p:cNvPicPr>
+            <a:picLocks noChangeAspect="1"/>
+          </p:cNvPicPr>
+          <p:nvPr/>
+        </p:nvPicPr>
+        <p:blipFill>
+          <a:blip r:embed="rId2">
+            <a:alphaModFix amt="50000"/>
+            <a:extLst>
+              <a:ext uri="{28A0092B-C50C-407E-A947-70E740481C1C}">
+                <a14:useLocalDpi xmlns:a14="http://schemas.microsoft.com/office/drawing/2010/main" val="0"/>
+              </a:ext>
+            </a:extLst>
+          </a:blip>
+          <a:stretch>
+            <a:fillRect/>
+          </a:stretch>
+        </p:blipFill>
+        <p:spPr>
+          <a:xfrm>
+            <a:off x="449942" y="1352550"/>
+            <a:ext cx="7391400" cy="4152900"/>
+          </a:xfrm>
+          <a:prstGeom prst="rect">
+            <a:avLst/>
+          </a:prstGeom>
+        </p:spPr>
+      </p:pic>
+      <p:graphicFrame>
+        <p:nvGraphicFramePr>
+          <p:cNvPr id="2" name="Tabela 1">
+            <a:extLst>
+              <a:ext uri="{FF2B5EF4-FFF2-40B4-BE49-F238E27FC236}">
+                <a16:creationId xmlns:a16="http://schemas.microsoft.com/office/drawing/2014/main" id="{9C08CCE3-B709-4A49-9346-DC52EAA0B527}"/>
+              </a:ext>
+            </a:extLst>
+          </p:cNvPr>
+          <p:cNvGraphicFramePr>
+            <a:graphicFrameLocks noGrp="1"/>
+          </p:cNvGraphicFramePr>
+          <p:nvPr>
+            <p:extLst>
+              <p:ext uri="{D42A27DB-BD31-4B8C-83A1-F6EECF244321}">
+                <p14:modId xmlns:p14="http://schemas.microsoft.com/office/powerpoint/2010/main" val="2148139227"/>
+              </p:ext>
+            </p:extLst>
+          </p:nvPr>
+        </p:nvGraphicFramePr>
+        <p:xfrm>
+          <a:off x="449942" y="1352550"/>
+          <a:ext cx="7391400" cy="4152900"/>
+        </p:xfrm>
+        <a:graphic>
+          <a:graphicData uri="http://schemas.openxmlformats.org/drawingml/2006/table">
+            <a:tbl>
+              <a:tblPr bandRow="1">
+                <a:solidFill>
+                  <a:srgbClr val="000000">
+                    <a:alpha val="24706"/>
+                  </a:srgbClr>
+                </a:solidFill>
+                <a:tableStyleId>{5940675A-B579-460E-94D1-54222C63F5DA}</a:tableStyleId>
+              </a:tblPr>
+              <a:tblGrid>
+                <a:gridCol w="1231900">
+                  <a:extLst>
+                    <a:ext uri="{9D8B030D-6E8A-4147-A177-3AD203B41FA5}">
+                      <a16:colId xmlns:a16="http://schemas.microsoft.com/office/drawing/2014/main" val="3514654971"/>
+                    </a:ext>
+                  </a:extLst>
+                </a:gridCol>
+                <a:gridCol w="1231900">
+                  <a:extLst>
+                    <a:ext uri="{9D8B030D-6E8A-4147-A177-3AD203B41FA5}">
+                      <a16:colId xmlns:a16="http://schemas.microsoft.com/office/drawing/2014/main" val="2974947000"/>
+                    </a:ext>
+                  </a:extLst>
+                </a:gridCol>
+                <a:gridCol w="1231900">
+                  <a:extLst>
+                    <a:ext uri="{9D8B030D-6E8A-4147-A177-3AD203B41FA5}">
+                      <a16:colId xmlns:a16="http://schemas.microsoft.com/office/drawing/2014/main" val="1264949497"/>
+                    </a:ext>
+                  </a:extLst>
+                </a:gridCol>
+                <a:gridCol w="1231900">
+                  <a:extLst>
+                    <a:ext uri="{9D8B030D-6E8A-4147-A177-3AD203B41FA5}">
+                      <a16:colId xmlns:a16="http://schemas.microsoft.com/office/drawing/2014/main" val="966411372"/>
+                    </a:ext>
+                  </a:extLst>
+                </a:gridCol>
+                <a:gridCol w="1231900">
+                  <a:extLst>
+                    <a:ext uri="{9D8B030D-6E8A-4147-A177-3AD203B41FA5}">
+                      <a16:colId xmlns:a16="http://schemas.microsoft.com/office/drawing/2014/main" val="3597601412"/>
+                    </a:ext>
+                  </a:extLst>
+                </a:gridCol>
+                <a:gridCol w="1231900">
+                  <a:extLst>
+                    <a:ext uri="{9D8B030D-6E8A-4147-A177-3AD203B41FA5}">
+                      <a16:colId xmlns:a16="http://schemas.microsoft.com/office/drawing/2014/main" val="513729936"/>
+                    </a:ext>
+                  </a:extLst>
+                </a:gridCol>
+              </a:tblGrid>
+              <a:tr h="830580">
+                <a:tc>
+                  <a:txBody>
+                    <a:bodyPr/>
+                    <a:lstStyle/>
+                    <a:p>
+                      <a:r>
+                        <a:rPr lang="pt-BR" dirty="0"/>
+                        <a:t>11</a:t>
+                      </a:r>
+                    </a:p>
+                  </a:txBody>
+                  <a:tcPr>
+                    <a:lnL w="12700" cap="flat" cmpd="sng" algn="ctr">
+                      <a:solidFill>
+                        <a:schemeClr val="bg1"/>
+                      </a:solidFill>
+                      <a:prstDash val="solid"/>
+                      <a:round/>
+                      <a:headEnd type="none" w="med" len="med"/>
+                      <a:tailEnd type="none" w="med" len="med"/>
+                    </a:lnL>
+                    <a:lnR w="12700" cap="flat" cmpd="sng" algn="ctr">
+                      <a:solidFill>
+                        <a:schemeClr val="bg1"/>
+                      </a:solidFill>
+                      <a:prstDash val="solid"/>
+                      <a:round/>
+                      <a:headEnd type="none" w="med" len="med"/>
+                      <a:tailEnd type="none" w="med" len="med"/>
+                    </a:lnR>
+                    <a:lnT w="12700" cap="flat" cmpd="sng" algn="ctr">
+                      <a:solidFill>
+                        <a:schemeClr val="bg1"/>
+                      </a:solidFill>
+                      <a:prstDash val="solid"/>
+                      <a:round/>
+                      <a:headEnd type="none" w="med" len="med"/>
+                      <a:tailEnd type="none" w="med" len="med"/>
+                    </a:lnT>
+                    <a:lnB w="12700" cap="flat" cmpd="sng" algn="ctr">
+                      <a:solidFill>
+                        <a:schemeClr val="bg1"/>
+                      </a:solidFill>
+                      <a:prstDash val="solid"/>
+                      <a:round/>
+                      <a:headEnd type="none" w="med" len="med"/>
+                      <a:tailEnd type="none" w="med" len="med"/>
+                    </a:lnB>
+                    <a:solidFill>
+                      <a:schemeClr val="accent2"/>
+                    </a:solidFill>
+                  </a:tcPr>
+                </a:tc>
+                <a:tc>
+                  <a:txBody>
+                    <a:bodyPr/>
+                    <a:lstStyle/>
+                    <a:p>
+                      <a:r>
+                        <a:rPr lang="pt-BR" dirty="0"/>
+                        <a:t>12</a:t>
+                      </a:r>
+                    </a:p>
+                  </a:txBody>
+                  <a:tcPr>
+                    <a:lnL w="12700" cap="flat" cmpd="sng" algn="ctr">
+                      <a:solidFill>
+                        <a:schemeClr val="bg1"/>
+                      </a:solidFill>
+                      <a:prstDash val="solid"/>
+                      <a:round/>
+                      <a:headEnd type="none" w="med" len="med"/>
+                      <a:tailEnd type="none" w="med" len="med"/>
+                    </a:lnL>
+                    <a:lnR w="12700" cap="flat" cmpd="sng" algn="ctr">
+                      <a:solidFill>
+                        <a:schemeClr val="bg1"/>
+                      </a:solidFill>
+                      <a:prstDash val="solid"/>
+                      <a:round/>
+                      <a:headEnd type="none" w="med" len="med"/>
+                      <a:tailEnd type="none" w="med" len="med"/>
+                    </a:lnR>
+                    <a:lnT w="12700" cap="flat" cmpd="sng" algn="ctr">
+                      <a:solidFill>
+                        <a:schemeClr val="bg1"/>
+                      </a:solidFill>
+                      <a:prstDash val="solid"/>
+                      <a:round/>
+                      <a:headEnd type="none" w="med" len="med"/>
+                      <a:tailEnd type="none" w="med" len="med"/>
+                    </a:lnT>
+                    <a:lnB w="12700" cap="flat" cmpd="sng" algn="ctr">
+                      <a:solidFill>
+                        <a:schemeClr val="bg1"/>
+                      </a:solidFill>
+                      <a:prstDash val="solid"/>
+                      <a:round/>
+                      <a:headEnd type="none" w="med" len="med"/>
+                      <a:tailEnd type="none" w="med" len="med"/>
+                    </a:lnB>
+                    <a:solidFill>
+                      <a:schemeClr val="accent2"/>
+                    </a:solidFill>
+                  </a:tcPr>
+                </a:tc>
+                <a:tc>
+                  <a:txBody>
+                    <a:bodyPr/>
+                    <a:lstStyle/>
+                    <a:p>
+                      <a:r>
+                        <a:rPr lang="pt-BR" dirty="0"/>
+                        <a:t>13</a:t>
+                      </a:r>
+                    </a:p>
+                  </a:txBody>
+                  <a:tcPr>
+                    <a:lnL w="12700" cap="flat" cmpd="sng" algn="ctr">
+                      <a:solidFill>
+                        <a:schemeClr val="bg1"/>
+                      </a:solidFill>
+                      <a:prstDash val="solid"/>
+                      <a:round/>
+                      <a:headEnd type="none" w="med" len="med"/>
+                      <a:tailEnd type="none" w="med" len="med"/>
+                    </a:lnL>
+                    <a:lnR w="12700" cap="flat" cmpd="sng" algn="ctr">
+                      <a:solidFill>
+                        <a:schemeClr val="bg1"/>
+                      </a:solidFill>
+                      <a:prstDash val="solid"/>
+                      <a:round/>
+                      <a:headEnd type="none" w="med" len="med"/>
+                      <a:tailEnd type="none" w="med" len="med"/>
+                    </a:lnR>
+                    <a:lnT w="12700" cap="flat" cmpd="sng" algn="ctr">
+                      <a:solidFill>
+                        <a:schemeClr val="bg1"/>
+                      </a:solidFill>
+                      <a:prstDash val="solid"/>
+                      <a:round/>
+                      <a:headEnd type="none" w="med" len="med"/>
+                      <a:tailEnd type="none" w="med" len="med"/>
+                    </a:lnT>
+                    <a:lnB w="12700" cap="flat" cmpd="sng" algn="ctr">
+                      <a:solidFill>
+                        <a:schemeClr val="bg1"/>
+                      </a:solidFill>
+                      <a:prstDash val="solid"/>
+                      <a:round/>
+                      <a:headEnd type="none" w="med" len="med"/>
+                      <a:tailEnd type="none" w="med" len="med"/>
+                    </a:lnB>
+                    <a:noFill/>
+                  </a:tcPr>
+                </a:tc>
+                <a:tc>
+                  <a:txBody>
+                    <a:bodyPr/>
+                    <a:lstStyle/>
+                    <a:p>
+                      <a:r>
+                        <a:rPr lang="pt-BR" dirty="0"/>
+                        <a:t>14</a:t>
+                      </a:r>
+                    </a:p>
+                  </a:txBody>
+                  <a:tcPr>
+                    <a:lnL w="12700" cap="flat" cmpd="sng" algn="ctr">
+                      <a:solidFill>
+                        <a:schemeClr val="bg1"/>
+                      </a:solidFill>
+                      <a:prstDash val="solid"/>
+                      <a:round/>
+                      <a:headEnd type="none" w="med" len="med"/>
+                      <a:tailEnd type="none" w="med" len="med"/>
+                    </a:lnL>
+                    <a:lnR w="12700" cap="flat" cmpd="sng" algn="ctr">
+                      <a:solidFill>
+                        <a:schemeClr val="bg1"/>
+                      </a:solidFill>
+                      <a:prstDash val="solid"/>
+                      <a:round/>
+                      <a:headEnd type="none" w="med" len="med"/>
+                      <a:tailEnd type="none" w="med" len="med"/>
+                    </a:lnR>
+                    <a:lnT w="12700" cap="flat" cmpd="sng" algn="ctr">
+                      <a:solidFill>
+                        <a:schemeClr val="bg1"/>
+                      </a:solidFill>
+                      <a:prstDash val="solid"/>
+                      <a:round/>
+                      <a:headEnd type="none" w="med" len="med"/>
+                      <a:tailEnd type="none" w="med" len="med"/>
+                    </a:lnT>
+                    <a:lnB w="12700" cap="flat" cmpd="sng" algn="ctr">
+                      <a:solidFill>
+                        <a:schemeClr val="bg1"/>
+                      </a:solidFill>
+                      <a:prstDash val="solid"/>
+                      <a:round/>
+                      <a:headEnd type="none" w="med" len="med"/>
+                      <a:tailEnd type="none" w="med" len="med"/>
+                    </a:lnB>
+                    <a:solidFill>
+                      <a:srgbClr val="92D050"/>
+                    </a:solidFill>
+                  </a:tcPr>
+                </a:tc>
+                <a:tc>
+                  <a:txBody>
+                    <a:bodyPr/>
+                    <a:lstStyle/>
+                    <a:p>
+                      <a:r>
+                        <a:rPr lang="pt-BR" dirty="0"/>
+                        <a:t>15</a:t>
+                      </a:r>
+                    </a:p>
+                  </a:txBody>
+                  <a:tcPr>
+                    <a:lnL w="12700" cap="flat" cmpd="sng" algn="ctr">
+                      <a:solidFill>
+                        <a:schemeClr val="bg1"/>
+                      </a:solidFill>
+                      <a:prstDash val="solid"/>
+                      <a:round/>
+                      <a:headEnd type="none" w="med" len="med"/>
+                      <a:tailEnd type="none" w="med" len="med"/>
+                    </a:lnL>
+                    <a:lnR w="12700" cap="flat" cmpd="sng" algn="ctr">
+                      <a:solidFill>
+                        <a:schemeClr val="bg1"/>
+                      </a:solidFill>
+                      <a:prstDash val="solid"/>
+                      <a:round/>
+                      <a:headEnd type="none" w="med" len="med"/>
+                      <a:tailEnd type="none" w="med" len="med"/>
+                    </a:lnR>
+                    <a:lnT w="12700" cap="flat" cmpd="sng" algn="ctr">
+                      <a:solidFill>
+                        <a:schemeClr val="bg1"/>
+                      </a:solidFill>
+                      <a:prstDash val="solid"/>
+                      <a:round/>
+                      <a:headEnd type="none" w="med" len="med"/>
+                      <a:tailEnd type="none" w="med" len="med"/>
+                    </a:lnT>
+                    <a:lnB w="12700" cap="flat" cmpd="sng" algn="ctr">
+                      <a:solidFill>
+                        <a:schemeClr val="bg1"/>
+                      </a:solidFill>
+                      <a:prstDash val="solid"/>
+                      <a:round/>
+                      <a:headEnd type="none" w="med" len="med"/>
+                      <a:tailEnd type="none" w="med" len="med"/>
+                    </a:lnB>
+                    <a:noFill/>
+                  </a:tcPr>
+                </a:tc>
+                <a:tc>
+                  <a:txBody>
+                    <a:bodyPr/>
+                    <a:lstStyle/>
+                    <a:p>
+                      <a:r>
+                        <a:rPr lang="pt-BR" dirty="0"/>
+                        <a:t>16</a:t>
+                      </a:r>
+                    </a:p>
+                  </a:txBody>
+                  <a:tcPr>
+                    <a:lnL w="12700" cap="flat" cmpd="sng" algn="ctr">
+                      <a:solidFill>
+                        <a:schemeClr val="bg1"/>
+                      </a:solidFill>
+                      <a:prstDash val="solid"/>
+                      <a:round/>
+                      <a:headEnd type="none" w="med" len="med"/>
+                      <a:tailEnd type="none" w="med" len="med"/>
+                    </a:lnL>
+                    <a:lnR w="12700" cap="flat" cmpd="sng" algn="ctr">
+                      <a:solidFill>
+                        <a:schemeClr val="bg1"/>
+                      </a:solidFill>
+                      <a:prstDash val="solid"/>
+                      <a:round/>
+                      <a:headEnd type="none" w="med" len="med"/>
+                      <a:tailEnd type="none" w="med" len="med"/>
+                    </a:lnR>
+                    <a:lnT w="12700" cap="flat" cmpd="sng" algn="ctr">
+                      <a:solidFill>
+                        <a:schemeClr val="bg1"/>
+                      </a:solidFill>
+                      <a:prstDash val="solid"/>
+                      <a:round/>
+                      <a:headEnd type="none" w="med" len="med"/>
+                      <a:tailEnd type="none" w="med" len="med"/>
+                    </a:lnT>
+                    <a:lnB w="12700" cap="flat" cmpd="sng" algn="ctr">
+                      <a:solidFill>
+                        <a:schemeClr val="bg1"/>
+                      </a:solidFill>
+                      <a:prstDash val="solid"/>
+                      <a:round/>
+                      <a:headEnd type="none" w="med" len="med"/>
+                      <a:tailEnd type="none" w="med" len="med"/>
+                    </a:lnB>
+                    <a:solidFill>
+                      <a:srgbClr val="92D050"/>
+                    </a:solidFill>
+                  </a:tcPr>
+                </a:tc>
+                <a:extLst>
+                  <a:ext uri="{0D108BD9-81ED-4DB2-BD59-A6C34878D82A}">
+                    <a16:rowId xmlns:a16="http://schemas.microsoft.com/office/drawing/2014/main" val="1106529223"/>
+                  </a:ext>
+                </a:extLst>
+              </a:tr>
+              <a:tr h="830580">
+                <a:tc>
+                  <a:txBody>
+                    <a:bodyPr/>
+                    <a:lstStyle/>
+                    <a:p>
+                      <a:r>
+                        <a:rPr lang="pt-BR" dirty="0"/>
+                        <a:t>21</a:t>
+                      </a:r>
+                    </a:p>
+                  </a:txBody>
+                  <a:tcPr>
+                    <a:lnL w="12700" cap="flat" cmpd="sng" algn="ctr">
+                      <a:solidFill>
+                        <a:schemeClr val="bg1"/>
+                      </a:solidFill>
+                      <a:prstDash val="solid"/>
+                      <a:round/>
+                      <a:headEnd type="none" w="med" len="med"/>
+                      <a:tailEnd type="none" w="med" len="med"/>
+                    </a:lnL>
+                    <a:lnR w="12700" cap="flat" cmpd="sng" algn="ctr">
+                      <a:solidFill>
+                        <a:schemeClr val="bg1"/>
+                      </a:solidFill>
+                      <a:prstDash val="solid"/>
+                      <a:round/>
+                      <a:headEnd type="none" w="med" len="med"/>
+                      <a:tailEnd type="none" w="med" len="med"/>
+                    </a:lnR>
+                    <a:lnT w="12700" cap="flat" cmpd="sng" algn="ctr">
+                      <a:solidFill>
+                        <a:schemeClr val="bg1"/>
+                      </a:solidFill>
+                      <a:prstDash val="solid"/>
+                      <a:round/>
+                      <a:headEnd type="none" w="med" len="med"/>
+                      <a:tailEnd type="none" w="med" len="med"/>
+                    </a:lnT>
+                    <a:lnB w="12700" cap="flat" cmpd="sng" algn="ctr">
+                      <a:solidFill>
+                        <a:schemeClr val="bg1"/>
+                      </a:solidFill>
+                      <a:prstDash val="solid"/>
+                      <a:round/>
+                      <a:headEnd type="none" w="med" len="med"/>
+                      <a:tailEnd type="none" w="med" len="med"/>
+                    </a:lnB>
+                    <a:solidFill>
+                      <a:schemeClr val="accent2"/>
+                    </a:solidFill>
+                  </a:tcPr>
+                </a:tc>
+                <a:tc>
+                  <a:txBody>
+                    <a:bodyPr/>
+                    <a:lstStyle/>
+                    <a:p>
+                      <a:r>
+                        <a:rPr lang="pt-BR" dirty="0"/>
+                        <a:t>22</a:t>
+                      </a:r>
+                    </a:p>
+                  </a:txBody>
+                  <a:tcPr>
+                    <a:lnL w="12700" cap="flat" cmpd="sng" algn="ctr">
+                      <a:solidFill>
+                        <a:schemeClr val="bg1"/>
+                      </a:solidFill>
+                      <a:prstDash val="solid"/>
+                      <a:round/>
+                      <a:headEnd type="none" w="med" len="med"/>
+                      <a:tailEnd type="none" w="med" len="med"/>
+                    </a:lnL>
+                    <a:lnR w="12700" cap="flat" cmpd="sng" algn="ctr">
+                      <a:solidFill>
+                        <a:schemeClr val="bg1"/>
+                      </a:solidFill>
+                      <a:prstDash val="solid"/>
+                      <a:round/>
+                      <a:headEnd type="none" w="med" len="med"/>
+                      <a:tailEnd type="none" w="med" len="med"/>
+                    </a:lnR>
+                    <a:lnT w="12700" cap="flat" cmpd="sng" algn="ctr">
+                      <a:solidFill>
+                        <a:schemeClr val="bg1"/>
+                      </a:solidFill>
+                      <a:prstDash val="solid"/>
+                      <a:round/>
+                      <a:headEnd type="none" w="med" len="med"/>
+                      <a:tailEnd type="none" w="med" len="med"/>
+                    </a:lnT>
+                    <a:lnB w="12700" cap="flat" cmpd="sng" algn="ctr">
+                      <a:solidFill>
+                        <a:schemeClr val="bg1"/>
+                      </a:solidFill>
+                      <a:prstDash val="solid"/>
+                      <a:round/>
+                      <a:headEnd type="none" w="med" len="med"/>
+                      <a:tailEnd type="none" w="med" len="med"/>
+                    </a:lnB>
+                    <a:solidFill>
+                      <a:schemeClr val="accent4">
+                        <a:lumMod val="75000"/>
+                      </a:schemeClr>
+                    </a:solidFill>
+                  </a:tcPr>
+                </a:tc>
+                <a:tc>
+                  <a:txBody>
+                    <a:bodyPr/>
+                    <a:lstStyle/>
+                    <a:p>
+                      <a:r>
+                        <a:rPr lang="pt-BR" dirty="0"/>
+                        <a:t>23</a:t>
+                      </a:r>
+                    </a:p>
+                  </a:txBody>
+                  <a:tcPr>
+                    <a:lnL w="12700" cap="flat" cmpd="sng" algn="ctr">
+                      <a:solidFill>
+                        <a:schemeClr val="bg1"/>
+                      </a:solidFill>
+                      <a:prstDash val="solid"/>
+                      <a:round/>
+                      <a:headEnd type="none" w="med" len="med"/>
+                      <a:tailEnd type="none" w="med" len="med"/>
+                    </a:lnL>
+                    <a:lnR w="12700" cap="flat" cmpd="sng" algn="ctr">
+                      <a:solidFill>
+                        <a:schemeClr val="bg1"/>
+                      </a:solidFill>
+                      <a:prstDash val="solid"/>
+                      <a:round/>
+                      <a:headEnd type="none" w="med" len="med"/>
+                      <a:tailEnd type="none" w="med" len="med"/>
+                    </a:lnR>
+                    <a:lnT w="12700" cap="flat" cmpd="sng" algn="ctr">
+                      <a:solidFill>
+                        <a:schemeClr val="bg1"/>
+                      </a:solidFill>
+                      <a:prstDash val="solid"/>
+                      <a:round/>
+                      <a:headEnd type="none" w="med" len="med"/>
+                      <a:tailEnd type="none" w="med" len="med"/>
+                    </a:lnT>
+                    <a:lnB w="12700" cap="flat" cmpd="sng" algn="ctr">
+                      <a:solidFill>
+                        <a:schemeClr val="bg1"/>
+                      </a:solidFill>
+                      <a:prstDash val="solid"/>
+                      <a:round/>
+                      <a:headEnd type="none" w="med" len="med"/>
+                      <a:tailEnd type="none" w="med" len="med"/>
+                    </a:lnB>
+                    <a:solidFill>
+                      <a:srgbClr val="92D050"/>
+                    </a:solidFill>
+                  </a:tcPr>
+                </a:tc>
+                <a:tc>
+                  <a:txBody>
+                    <a:bodyPr/>
+                    <a:lstStyle/>
+                    <a:p>
+                      <a:r>
+                        <a:rPr lang="pt-BR" dirty="0"/>
+                        <a:t>24</a:t>
+                      </a:r>
+                    </a:p>
+                  </a:txBody>
+                  <a:tcPr>
+                    <a:lnL w="12700" cap="flat" cmpd="sng" algn="ctr">
+                      <a:solidFill>
+                        <a:schemeClr val="bg1"/>
+                      </a:solidFill>
+                      <a:prstDash val="solid"/>
+                      <a:round/>
+                      <a:headEnd type="none" w="med" len="med"/>
+                      <a:tailEnd type="none" w="med" len="med"/>
+                    </a:lnL>
+                    <a:lnR w="12700" cap="flat" cmpd="sng" algn="ctr">
+                      <a:solidFill>
+                        <a:schemeClr val="bg1"/>
+                      </a:solidFill>
+                      <a:prstDash val="solid"/>
+                      <a:round/>
+                      <a:headEnd type="none" w="med" len="med"/>
+                      <a:tailEnd type="none" w="med" len="med"/>
+                    </a:lnR>
+                    <a:lnT w="12700" cap="flat" cmpd="sng" algn="ctr">
+                      <a:solidFill>
+                        <a:schemeClr val="bg1"/>
+                      </a:solidFill>
+                      <a:prstDash val="solid"/>
+                      <a:round/>
+                      <a:headEnd type="none" w="med" len="med"/>
+                      <a:tailEnd type="none" w="med" len="med"/>
+                    </a:lnT>
+                    <a:lnB w="12700" cap="flat" cmpd="sng" algn="ctr">
+                      <a:solidFill>
+                        <a:schemeClr val="bg1"/>
+                      </a:solidFill>
+                      <a:prstDash val="solid"/>
+                      <a:round/>
+                      <a:headEnd type="none" w="med" len="med"/>
+                      <a:tailEnd type="none" w="med" len="med"/>
+                    </a:lnB>
+                    <a:solidFill>
+                      <a:srgbClr val="92D050"/>
+                    </a:solidFill>
+                  </a:tcPr>
+                </a:tc>
+                <a:tc>
+                  <a:txBody>
+                    <a:bodyPr/>
+                    <a:lstStyle/>
+                    <a:p>
+                      <a:r>
+                        <a:rPr lang="pt-BR" dirty="0"/>
+                        <a:t>25</a:t>
+                      </a:r>
+                    </a:p>
+                  </a:txBody>
+                  <a:tcPr>
+                    <a:lnL w="12700" cap="flat" cmpd="sng" algn="ctr">
+                      <a:solidFill>
+                        <a:schemeClr val="bg1"/>
+                      </a:solidFill>
+                      <a:prstDash val="solid"/>
+                      <a:round/>
+                      <a:headEnd type="none" w="med" len="med"/>
+                      <a:tailEnd type="none" w="med" len="med"/>
+                    </a:lnL>
+                    <a:lnR w="12700" cap="flat" cmpd="sng" algn="ctr">
+                      <a:solidFill>
+                        <a:schemeClr val="bg1"/>
+                      </a:solidFill>
+                      <a:prstDash val="solid"/>
+                      <a:round/>
+                      <a:headEnd type="none" w="med" len="med"/>
+                      <a:tailEnd type="none" w="med" len="med"/>
+                    </a:lnR>
+                    <a:lnT w="12700" cap="flat" cmpd="sng" algn="ctr">
+                      <a:solidFill>
+                        <a:schemeClr val="bg1"/>
+                      </a:solidFill>
+                      <a:prstDash val="solid"/>
+                      <a:round/>
+                      <a:headEnd type="none" w="med" len="med"/>
+                      <a:tailEnd type="none" w="med" len="med"/>
+                    </a:lnT>
+                    <a:lnB w="12700" cap="flat" cmpd="sng" algn="ctr">
+                      <a:solidFill>
+                        <a:schemeClr val="bg1"/>
+                      </a:solidFill>
+                      <a:prstDash val="solid"/>
+                      <a:round/>
+                      <a:headEnd type="none" w="med" len="med"/>
+                      <a:tailEnd type="none" w="med" len="med"/>
+                    </a:lnB>
+                    <a:noFill/>
+                  </a:tcPr>
+                </a:tc>
+                <a:tc>
+                  <a:txBody>
+                    <a:bodyPr/>
+                    <a:lstStyle/>
+                    <a:p>
+                      <a:r>
+                        <a:rPr lang="pt-BR" dirty="0"/>
+                        <a:t>26</a:t>
+                      </a:r>
+                    </a:p>
+                  </a:txBody>
+                  <a:tcPr>
+                    <a:lnL w="12700" cap="flat" cmpd="sng" algn="ctr">
+                      <a:solidFill>
+                        <a:schemeClr val="bg1"/>
+                      </a:solidFill>
+                      <a:prstDash val="solid"/>
+                      <a:round/>
+                      <a:headEnd type="none" w="med" len="med"/>
+                      <a:tailEnd type="none" w="med" len="med"/>
+                    </a:lnL>
+                    <a:lnR w="12700" cap="flat" cmpd="sng" algn="ctr">
+                      <a:solidFill>
+                        <a:schemeClr val="bg1"/>
+                      </a:solidFill>
+                      <a:prstDash val="solid"/>
+                      <a:round/>
+                      <a:headEnd type="none" w="med" len="med"/>
+                      <a:tailEnd type="none" w="med" len="med"/>
+                    </a:lnR>
+                    <a:lnT w="12700" cap="flat" cmpd="sng" algn="ctr">
+                      <a:solidFill>
+                        <a:schemeClr val="bg1"/>
+                      </a:solidFill>
+                      <a:prstDash val="solid"/>
+                      <a:round/>
+                      <a:headEnd type="none" w="med" len="med"/>
+                      <a:tailEnd type="none" w="med" len="med"/>
+                    </a:lnT>
+                    <a:lnB w="12700" cap="flat" cmpd="sng" algn="ctr">
+                      <a:solidFill>
+                        <a:schemeClr val="bg1"/>
+                      </a:solidFill>
+                      <a:prstDash val="solid"/>
+                      <a:round/>
+                      <a:headEnd type="none" w="med" len="med"/>
+                      <a:tailEnd type="none" w="med" len="med"/>
+                    </a:lnB>
+                    <a:noFill/>
+                  </a:tcPr>
+                </a:tc>
+                <a:extLst>
+                  <a:ext uri="{0D108BD9-81ED-4DB2-BD59-A6C34878D82A}">
+                    <a16:rowId xmlns:a16="http://schemas.microsoft.com/office/drawing/2014/main" val="3412608470"/>
+                  </a:ext>
+                </a:extLst>
+              </a:tr>
+              <a:tr h="830580">
+                <a:tc>
+                  <a:txBody>
+                    <a:bodyPr/>
+                    <a:lstStyle/>
+                    <a:p>
+                      <a:r>
+                        <a:rPr lang="pt-BR" dirty="0"/>
+                        <a:t>31</a:t>
+                      </a:r>
+                    </a:p>
+                  </a:txBody>
+                  <a:tcPr>
+                    <a:lnL w="12700" cap="flat" cmpd="sng" algn="ctr">
+                      <a:solidFill>
+                        <a:schemeClr val="bg1"/>
+                      </a:solidFill>
+                      <a:prstDash val="solid"/>
+                      <a:round/>
+                      <a:headEnd type="none" w="med" len="med"/>
+                      <a:tailEnd type="none" w="med" len="med"/>
+                    </a:lnL>
+                    <a:lnR w="12700" cap="flat" cmpd="sng" algn="ctr">
+                      <a:solidFill>
+                        <a:schemeClr val="bg1"/>
+                      </a:solidFill>
+                      <a:prstDash val="solid"/>
+                      <a:round/>
+                      <a:headEnd type="none" w="med" len="med"/>
+                      <a:tailEnd type="none" w="med" len="med"/>
+                    </a:lnR>
+                    <a:lnT w="12700" cap="flat" cmpd="sng" algn="ctr">
+                      <a:solidFill>
+                        <a:schemeClr val="bg1"/>
+                      </a:solidFill>
+                      <a:prstDash val="solid"/>
+                      <a:round/>
+                      <a:headEnd type="none" w="med" len="med"/>
+                      <a:tailEnd type="none" w="med" len="med"/>
+                    </a:lnT>
+                    <a:lnB w="12700" cap="flat" cmpd="sng" algn="ctr">
+                      <a:solidFill>
+                        <a:schemeClr val="bg1"/>
+                      </a:solidFill>
+                      <a:prstDash val="solid"/>
+                      <a:round/>
+                      <a:headEnd type="none" w="med" len="med"/>
+                      <a:tailEnd type="none" w="med" len="med"/>
+                    </a:lnB>
+                    <a:solidFill>
+                      <a:schemeClr val="tx1"/>
+                    </a:solidFill>
+                  </a:tcPr>
+                </a:tc>
+                <a:tc>
+                  <a:txBody>
+                    <a:bodyPr/>
+                    <a:lstStyle/>
+                    <a:p>
+                      <a:r>
+                        <a:rPr lang="pt-BR" dirty="0"/>
+                        <a:t>32</a:t>
+                      </a:r>
+                    </a:p>
+                  </a:txBody>
+                  <a:tcPr>
+                    <a:lnL w="12700" cap="flat" cmpd="sng" algn="ctr">
+                      <a:solidFill>
+                        <a:schemeClr val="bg1"/>
+                      </a:solidFill>
+                      <a:prstDash val="solid"/>
+                      <a:round/>
+                      <a:headEnd type="none" w="med" len="med"/>
+                      <a:tailEnd type="none" w="med" len="med"/>
+                    </a:lnL>
+                    <a:lnR w="12700" cap="flat" cmpd="sng" algn="ctr">
+                      <a:solidFill>
+                        <a:schemeClr val="bg1"/>
+                      </a:solidFill>
+                      <a:prstDash val="solid"/>
+                      <a:round/>
+                      <a:headEnd type="none" w="med" len="med"/>
+                      <a:tailEnd type="none" w="med" len="med"/>
+                    </a:lnR>
+                    <a:lnT w="12700" cap="flat" cmpd="sng" algn="ctr">
+                      <a:solidFill>
+                        <a:schemeClr val="bg1"/>
+                      </a:solidFill>
+                      <a:prstDash val="solid"/>
+                      <a:round/>
+                      <a:headEnd type="none" w="med" len="med"/>
+                      <a:tailEnd type="none" w="med" len="med"/>
+                    </a:lnT>
+                    <a:lnB w="12700" cap="flat" cmpd="sng" algn="ctr">
+                      <a:solidFill>
+                        <a:schemeClr val="bg1"/>
+                      </a:solidFill>
+                      <a:prstDash val="solid"/>
+                      <a:round/>
+                      <a:headEnd type="none" w="med" len="med"/>
+                      <a:tailEnd type="none" w="med" len="med"/>
+                    </a:lnB>
+                    <a:solidFill>
+                      <a:schemeClr val="accent4">
+                        <a:lumMod val="75000"/>
+                      </a:schemeClr>
+                    </a:solidFill>
+                  </a:tcPr>
+                </a:tc>
+                <a:tc>
+                  <a:txBody>
+                    <a:bodyPr/>
+                    <a:lstStyle/>
+                    <a:p>
+                      <a:r>
+                        <a:rPr lang="pt-BR" dirty="0"/>
+                        <a:t>33</a:t>
+                      </a:r>
+                    </a:p>
+                  </a:txBody>
+                  <a:tcPr>
+                    <a:lnL w="12700" cap="flat" cmpd="sng" algn="ctr">
+                      <a:solidFill>
+                        <a:schemeClr val="bg1"/>
+                      </a:solidFill>
+                      <a:prstDash val="solid"/>
+                      <a:round/>
+                      <a:headEnd type="none" w="med" len="med"/>
+                      <a:tailEnd type="none" w="med" len="med"/>
+                    </a:lnL>
+                    <a:lnR w="12700" cap="flat" cmpd="sng" algn="ctr">
+                      <a:solidFill>
+                        <a:schemeClr val="bg1"/>
+                      </a:solidFill>
+                      <a:prstDash val="solid"/>
+                      <a:round/>
+                      <a:headEnd type="none" w="med" len="med"/>
+                      <a:tailEnd type="none" w="med" len="med"/>
+                    </a:lnR>
+                    <a:lnT w="12700" cap="flat" cmpd="sng" algn="ctr">
+                      <a:solidFill>
+                        <a:schemeClr val="bg1"/>
+                      </a:solidFill>
+                      <a:prstDash val="solid"/>
+                      <a:round/>
+                      <a:headEnd type="none" w="med" len="med"/>
+                      <a:tailEnd type="none" w="med" len="med"/>
+                    </a:lnT>
+                    <a:lnB w="12700" cap="flat" cmpd="sng" algn="ctr">
+                      <a:solidFill>
+                        <a:schemeClr val="bg1"/>
+                      </a:solidFill>
+                      <a:prstDash val="solid"/>
+                      <a:round/>
+                      <a:headEnd type="none" w="med" len="med"/>
+                      <a:tailEnd type="none" w="med" len="med"/>
+                    </a:lnB>
+                    <a:noFill/>
+                  </a:tcPr>
+                </a:tc>
+                <a:tc>
+                  <a:txBody>
+                    <a:bodyPr/>
+                    <a:lstStyle/>
+                    <a:p>
+                      <a:r>
+                        <a:rPr lang="pt-BR" dirty="0"/>
+                        <a:t>34</a:t>
+                      </a:r>
+                    </a:p>
+                  </a:txBody>
+                  <a:tcPr>
+                    <a:lnL w="12700" cap="flat" cmpd="sng" algn="ctr">
+                      <a:solidFill>
+                        <a:schemeClr val="bg1"/>
+                      </a:solidFill>
+                      <a:prstDash val="solid"/>
+                      <a:round/>
+                      <a:headEnd type="none" w="med" len="med"/>
+                      <a:tailEnd type="none" w="med" len="med"/>
+                    </a:lnL>
+                    <a:lnR w="12700" cap="flat" cmpd="sng" algn="ctr">
+                      <a:solidFill>
+                        <a:schemeClr val="bg1"/>
+                      </a:solidFill>
+                      <a:prstDash val="solid"/>
+                      <a:round/>
+                      <a:headEnd type="none" w="med" len="med"/>
+                      <a:tailEnd type="none" w="med" len="med"/>
+                    </a:lnR>
+                    <a:lnT w="12700" cap="flat" cmpd="sng" algn="ctr">
+                      <a:solidFill>
+                        <a:schemeClr val="bg1"/>
+                      </a:solidFill>
+                      <a:prstDash val="solid"/>
+                      <a:round/>
+                      <a:headEnd type="none" w="med" len="med"/>
+                      <a:tailEnd type="none" w="med" len="med"/>
+                    </a:lnT>
+                    <a:lnB w="12700" cap="flat" cmpd="sng" algn="ctr">
+                      <a:solidFill>
+                        <a:schemeClr val="bg1"/>
+                      </a:solidFill>
+                      <a:prstDash val="solid"/>
+                      <a:round/>
+                      <a:headEnd type="none" w="med" len="med"/>
+                      <a:tailEnd type="none" w="med" len="med"/>
+                    </a:lnB>
+                    <a:noFill/>
+                  </a:tcPr>
+                </a:tc>
+                <a:tc>
+                  <a:txBody>
+                    <a:bodyPr/>
+                    <a:lstStyle/>
+                    <a:p>
+                      <a:r>
+                        <a:rPr lang="pt-BR" dirty="0"/>
+                        <a:t>35</a:t>
+                      </a:r>
+                    </a:p>
+                  </a:txBody>
+                  <a:tcPr>
+                    <a:lnL w="12700" cap="flat" cmpd="sng" algn="ctr">
+                      <a:solidFill>
+                        <a:schemeClr val="bg1"/>
+                      </a:solidFill>
+                      <a:prstDash val="solid"/>
+                      <a:round/>
+                      <a:headEnd type="none" w="med" len="med"/>
+                      <a:tailEnd type="none" w="med" len="med"/>
+                    </a:lnL>
+                    <a:lnR w="12700" cap="flat" cmpd="sng" algn="ctr">
+                      <a:solidFill>
+                        <a:schemeClr val="bg1"/>
+                      </a:solidFill>
+                      <a:prstDash val="solid"/>
+                      <a:round/>
+                      <a:headEnd type="none" w="med" len="med"/>
+                      <a:tailEnd type="none" w="med" len="med"/>
+                    </a:lnR>
+                    <a:lnT w="12700" cap="flat" cmpd="sng" algn="ctr">
+                      <a:solidFill>
+                        <a:schemeClr val="bg1"/>
+                      </a:solidFill>
+                      <a:prstDash val="solid"/>
+                      <a:round/>
+                      <a:headEnd type="none" w="med" len="med"/>
+                      <a:tailEnd type="none" w="med" len="med"/>
+                    </a:lnT>
+                    <a:lnB w="12700" cap="flat" cmpd="sng" algn="ctr">
+                      <a:solidFill>
+                        <a:schemeClr val="bg1"/>
+                      </a:solidFill>
+                      <a:prstDash val="solid"/>
+                      <a:round/>
+                      <a:headEnd type="none" w="med" len="med"/>
+                      <a:tailEnd type="none" w="med" len="med"/>
+                    </a:lnB>
+                    <a:solidFill>
+                      <a:schemeClr val="tx1"/>
+                    </a:solidFill>
+                  </a:tcPr>
+                </a:tc>
+                <a:tc>
+                  <a:txBody>
+                    <a:bodyPr/>
+                    <a:lstStyle/>
+                    <a:p>
+                      <a:r>
+                        <a:rPr lang="pt-BR" dirty="0"/>
+                        <a:t>36</a:t>
+                      </a:r>
+                    </a:p>
+                  </a:txBody>
+                  <a:tcPr>
+                    <a:lnL w="12700" cap="flat" cmpd="sng" algn="ctr">
+                      <a:solidFill>
+                        <a:schemeClr val="bg1"/>
+                      </a:solidFill>
+                      <a:prstDash val="solid"/>
+                      <a:round/>
+                      <a:headEnd type="none" w="med" len="med"/>
+                      <a:tailEnd type="none" w="med" len="med"/>
+                    </a:lnL>
+                    <a:lnR w="12700" cap="flat" cmpd="sng" algn="ctr">
+                      <a:solidFill>
+                        <a:schemeClr val="bg1"/>
+                      </a:solidFill>
+                      <a:prstDash val="solid"/>
+                      <a:round/>
+                      <a:headEnd type="none" w="med" len="med"/>
+                      <a:tailEnd type="none" w="med" len="med"/>
+                    </a:lnR>
+                    <a:lnT w="12700" cap="flat" cmpd="sng" algn="ctr">
+                      <a:solidFill>
+                        <a:schemeClr val="bg1"/>
+                      </a:solidFill>
+                      <a:prstDash val="solid"/>
+                      <a:round/>
+                      <a:headEnd type="none" w="med" len="med"/>
+                      <a:tailEnd type="none" w="med" len="med"/>
+                    </a:lnT>
+                    <a:lnB w="12700" cap="flat" cmpd="sng" algn="ctr">
+                      <a:solidFill>
+                        <a:schemeClr val="bg1"/>
+                      </a:solidFill>
+                      <a:prstDash val="solid"/>
+                      <a:round/>
+                      <a:headEnd type="none" w="med" len="med"/>
+                      <a:tailEnd type="none" w="med" len="med"/>
+                    </a:lnB>
+                    <a:noFill/>
+                  </a:tcPr>
+                </a:tc>
+                <a:extLst>
+                  <a:ext uri="{0D108BD9-81ED-4DB2-BD59-A6C34878D82A}">
+                    <a16:rowId xmlns:a16="http://schemas.microsoft.com/office/drawing/2014/main" val="3886395355"/>
+                  </a:ext>
+                </a:extLst>
+              </a:tr>
+              <a:tr h="830580">
+                <a:tc>
+                  <a:txBody>
+                    <a:bodyPr/>
+                    <a:lstStyle/>
+                    <a:p>
+                      <a:r>
+                        <a:rPr lang="pt-BR" dirty="0"/>
+                        <a:t>41</a:t>
+                      </a:r>
+                    </a:p>
+                  </a:txBody>
+                  <a:tcPr>
+                    <a:lnL w="12700" cap="flat" cmpd="sng" algn="ctr">
+                      <a:solidFill>
+                        <a:schemeClr val="bg1"/>
+                      </a:solidFill>
+                      <a:prstDash val="solid"/>
+                      <a:round/>
+                      <a:headEnd type="none" w="med" len="med"/>
+                      <a:tailEnd type="none" w="med" len="med"/>
+                    </a:lnL>
+                    <a:lnR w="12700" cap="flat" cmpd="sng" algn="ctr">
+                      <a:solidFill>
+                        <a:schemeClr val="bg1"/>
+                      </a:solidFill>
+                      <a:prstDash val="solid"/>
+                      <a:round/>
+                      <a:headEnd type="none" w="med" len="med"/>
+                      <a:tailEnd type="none" w="med" len="med"/>
+                    </a:lnR>
+                    <a:lnT w="12700" cap="flat" cmpd="sng" algn="ctr">
+                      <a:solidFill>
+                        <a:schemeClr val="bg1"/>
+                      </a:solidFill>
+                      <a:prstDash val="solid"/>
+                      <a:round/>
+                      <a:headEnd type="none" w="med" len="med"/>
+                      <a:tailEnd type="none" w="med" len="med"/>
+                    </a:lnT>
+                    <a:lnB w="12700" cap="flat" cmpd="sng" algn="ctr">
+                      <a:solidFill>
+                        <a:schemeClr val="bg1"/>
+                      </a:solidFill>
+                      <a:prstDash val="solid"/>
+                      <a:round/>
+                      <a:headEnd type="none" w="med" len="med"/>
+                      <a:tailEnd type="none" w="med" len="med"/>
+                    </a:lnB>
+                    <a:solidFill>
+                      <a:schemeClr val="tx1"/>
+                    </a:solidFill>
+                  </a:tcPr>
+                </a:tc>
+                <a:tc>
+                  <a:txBody>
+                    <a:bodyPr/>
+                    <a:lstStyle/>
+                    <a:p>
+                      <a:r>
+                        <a:rPr lang="pt-BR" dirty="0"/>
+                        <a:t>42</a:t>
+                      </a:r>
+                    </a:p>
+                  </a:txBody>
+                  <a:tcPr>
+                    <a:lnL w="12700" cap="flat" cmpd="sng" algn="ctr">
+                      <a:solidFill>
+                        <a:schemeClr val="bg1"/>
+                      </a:solidFill>
+                      <a:prstDash val="solid"/>
+                      <a:round/>
+                      <a:headEnd type="none" w="med" len="med"/>
+                      <a:tailEnd type="none" w="med" len="med"/>
+                    </a:lnL>
+                    <a:lnR w="12700" cap="flat" cmpd="sng" algn="ctr">
+                      <a:solidFill>
+                        <a:schemeClr val="bg1"/>
+                      </a:solidFill>
+                      <a:prstDash val="solid"/>
+                      <a:round/>
+                      <a:headEnd type="none" w="med" len="med"/>
+                      <a:tailEnd type="none" w="med" len="med"/>
+                    </a:lnR>
+                    <a:lnT w="12700" cap="flat" cmpd="sng" algn="ctr">
+                      <a:solidFill>
+                        <a:schemeClr val="bg1"/>
+                      </a:solidFill>
+                      <a:prstDash val="solid"/>
+                      <a:round/>
+                      <a:headEnd type="none" w="med" len="med"/>
+                      <a:tailEnd type="none" w="med" len="med"/>
+                    </a:lnT>
+                    <a:lnB w="12700" cap="flat" cmpd="sng" algn="ctr">
+                      <a:solidFill>
+                        <a:schemeClr val="bg1"/>
+                      </a:solidFill>
+                      <a:prstDash val="solid"/>
+                      <a:round/>
+                      <a:headEnd type="none" w="med" len="med"/>
+                      <a:tailEnd type="none" w="med" len="med"/>
+                    </a:lnB>
+                    <a:solidFill>
+                      <a:schemeClr val="accent4">
+                        <a:lumMod val="75000"/>
+                      </a:schemeClr>
+                    </a:solidFill>
+                  </a:tcPr>
+                </a:tc>
+                <a:tc>
+                  <a:txBody>
+                    <a:bodyPr/>
+                    <a:lstStyle/>
+                    <a:p>
+                      <a:r>
+                        <a:rPr lang="pt-BR" dirty="0"/>
+                        <a:t>43</a:t>
+                      </a:r>
+                    </a:p>
+                  </a:txBody>
+                  <a:tcPr>
+                    <a:lnL w="12700" cap="flat" cmpd="sng" algn="ctr">
+                      <a:solidFill>
+                        <a:schemeClr val="bg1"/>
+                      </a:solidFill>
+                      <a:prstDash val="solid"/>
+                      <a:round/>
+                      <a:headEnd type="none" w="med" len="med"/>
+                      <a:tailEnd type="none" w="med" len="med"/>
+                    </a:lnL>
+                    <a:lnR w="12700" cap="flat" cmpd="sng" algn="ctr">
+                      <a:solidFill>
+                        <a:schemeClr val="bg1"/>
+                      </a:solidFill>
+                      <a:prstDash val="solid"/>
+                      <a:round/>
+                      <a:headEnd type="none" w="med" len="med"/>
+                      <a:tailEnd type="none" w="med" len="med"/>
+                    </a:lnR>
+                    <a:lnT w="12700" cap="flat" cmpd="sng" algn="ctr">
+                      <a:solidFill>
+                        <a:schemeClr val="bg1"/>
+                      </a:solidFill>
+                      <a:prstDash val="solid"/>
+                      <a:round/>
+                      <a:headEnd type="none" w="med" len="med"/>
+                      <a:tailEnd type="none" w="med" len="med"/>
+                    </a:lnT>
+                    <a:lnB w="12700" cap="flat" cmpd="sng" algn="ctr">
+                      <a:solidFill>
+                        <a:schemeClr val="bg1"/>
+                      </a:solidFill>
+                      <a:prstDash val="solid"/>
+                      <a:round/>
+                      <a:headEnd type="none" w="med" len="med"/>
+                      <a:tailEnd type="none" w="med" len="med"/>
+                    </a:lnB>
+                    <a:noFill/>
+                  </a:tcPr>
+                </a:tc>
+                <a:tc>
+                  <a:txBody>
+                    <a:bodyPr/>
+                    <a:lstStyle/>
+                    <a:p>
+                      <a:r>
+                        <a:rPr lang="pt-BR" dirty="0"/>
+                        <a:t>44</a:t>
+                      </a:r>
+                    </a:p>
+                  </a:txBody>
+                  <a:tcPr>
+                    <a:lnL w="12700" cap="flat" cmpd="sng" algn="ctr">
+                      <a:solidFill>
+                        <a:schemeClr val="bg1"/>
+                      </a:solidFill>
+                      <a:prstDash val="solid"/>
+                      <a:round/>
+                      <a:headEnd type="none" w="med" len="med"/>
+                      <a:tailEnd type="none" w="med" len="med"/>
+                    </a:lnL>
+                    <a:lnR w="12700" cap="flat" cmpd="sng" algn="ctr">
+                      <a:solidFill>
+                        <a:schemeClr val="bg1"/>
+                      </a:solidFill>
+                      <a:prstDash val="solid"/>
+                      <a:round/>
+                      <a:headEnd type="none" w="med" len="med"/>
+                      <a:tailEnd type="none" w="med" len="med"/>
+                    </a:lnR>
+                    <a:lnT w="12700" cap="flat" cmpd="sng" algn="ctr">
+                      <a:solidFill>
+                        <a:schemeClr val="bg1"/>
+                      </a:solidFill>
+                      <a:prstDash val="solid"/>
+                      <a:round/>
+                      <a:headEnd type="none" w="med" len="med"/>
+                      <a:tailEnd type="none" w="med" len="med"/>
+                    </a:lnT>
+                    <a:lnB w="12700" cap="flat" cmpd="sng" algn="ctr">
+                      <a:solidFill>
+                        <a:schemeClr val="bg1"/>
+                      </a:solidFill>
+                      <a:prstDash val="solid"/>
+                      <a:round/>
+                      <a:headEnd type="none" w="med" len="med"/>
+                      <a:tailEnd type="none" w="med" len="med"/>
+                    </a:lnB>
+                    <a:noFill/>
+                  </a:tcPr>
+                </a:tc>
+                <a:tc>
+                  <a:txBody>
+                    <a:bodyPr/>
+                    <a:lstStyle/>
+                    <a:p>
+                      <a:r>
+                        <a:rPr lang="pt-BR" dirty="0"/>
+                        <a:t>45</a:t>
+                      </a:r>
+                    </a:p>
+                  </a:txBody>
+                  <a:tcPr>
+                    <a:lnL w="12700" cap="flat" cmpd="sng" algn="ctr">
+                      <a:solidFill>
+                        <a:schemeClr val="bg1"/>
+                      </a:solidFill>
+                      <a:prstDash val="solid"/>
+                      <a:round/>
+                      <a:headEnd type="none" w="med" len="med"/>
+                      <a:tailEnd type="none" w="med" len="med"/>
+                    </a:lnL>
+                    <a:lnR w="12700" cap="flat" cmpd="sng" algn="ctr">
+                      <a:solidFill>
+                        <a:schemeClr val="bg1"/>
+                      </a:solidFill>
+                      <a:prstDash val="solid"/>
+                      <a:round/>
+                      <a:headEnd type="none" w="med" len="med"/>
+                      <a:tailEnd type="none" w="med" len="med"/>
+                    </a:lnR>
+                    <a:lnT w="12700" cap="flat" cmpd="sng" algn="ctr">
+                      <a:solidFill>
+                        <a:schemeClr val="bg1"/>
+                      </a:solidFill>
+                      <a:prstDash val="solid"/>
+                      <a:round/>
+                      <a:headEnd type="none" w="med" len="med"/>
+                      <a:tailEnd type="none" w="med" len="med"/>
+                    </a:lnT>
+                    <a:lnB w="12700" cap="flat" cmpd="sng" algn="ctr">
+                      <a:solidFill>
+                        <a:schemeClr val="bg1"/>
+                      </a:solidFill>
+                      <a:prstDash val="solid"/>
+                      <a:round/>
+                      <a:headEnd type="none" w="med" len="med"/>
+                      <a:tailEnd type="none" w="med" len="med"/>
+                    </a:lnB>
+                    <a:noFill/>
+                  </a:tcPr>
+                </a:tc>
+                <a:tc>
+                  <a:txBody>
+                    <a:bodyPr/>
+                    <a:lstStyle/>
+                    <a:p>
+                      <a:r>
+                        <a:rPr lang="pt-BR" dirty="0"/>
+                        <a:t>46</a:t>
+                      </a:r>
+                    </a:p>
+                  </a:txBody>
+                  <a:tcPr>
+                    <a:lnL w="12700" cap="flat" cmpd="sng" algn="ctr">
+                      <a:solidFill>
+                        <a:schemeClr val="bg1"/>
+                      </a:solidFill>
+                      <a:prstDash val="solid"/>
+                      <a:round/>
+                      <a:headEnd type="none" w="med" len="med"/>
+                      <a:tailEnd type="none" w="med" len="med"/>
+                    </a:lnL>
+                    <a:lnR w="12700" cap="flat" cmpd="sng" algn="ctr">
+                      <a:solidFill>
+                        <a:schemeClr val="bg1"/>
+                      </a:solidFill>
+                      <a:prstDash val="solid"/>
+                      <a:round/>
+                      <a:headEnd type="none" w="med" len="med"/>
+                      <a:tailEnd type="none" w="med" len="med"/>
+                    </a:lnR>
+                    <a:lnT w="12700" cap="flat" cmpd="sng" algn="ctr">
+                      <a:solidFill>
+                        <a:schemeClr val="bg1"/>
+                      </a:solidFill>
+                      <a:prstDash val="solid"/>
+                      <a:round/>
+                      <a:headEnd type="none" w="med" len="med"/>
+                      <a:tailEnd type="none" w="med" len="med"/>
+                    </a:lnT>
+                    <a:lnB w="12700" cap="flat" cmpd="sng" algn="ctr">
+                      <a:solidFill>
+                        <a:schemeClr val="bg1"/>
+                      </a:solidFill>
+                      <a:prstDash val="solid"/>
+                      <a:round/>
+                      <a:headEnd type="none" w="med" len="med"/>
+                      <a:tailEnd type="none" w="med" len="med"/>
+                    </a:lnB>
+                    <a:solidFill>
+                      <a:schemeClr val="accent4">
+                        <a:lumMod val="75000"/>
+                      </a:schemeClr>
+                    </a:solidFill>
+                  </a:tcPr>
+                </a:tc>
+                <a:extLst>
+                  <a:ext uri="{0D108BD9-81ED-4DB2-BD59-A6C34878D82A}">
+                    <a16:rowId xmlns:a16="http://schemas.microsoft.com/office/drawing/2014/main" val="1000773806"/>
+                  </a:ext>
+                </a:extLst>
+              </a:tr>
+              <a:tr h="830580">
+                <a:tc>
+                  <a:txBody>
+                    <a:bodyPr/>
+                    <a:lstStyle/>
+                    <a:p>
+                      <a:r>
+                        <a:rPr lang="pt-BR" dirty="0"/>
+                        <a:t>51</a:t>
+                      </a:r>
+                    </a:p>
+                  </a:txBody>
+                  <a:tcPr>
+                    <a:lnL w="12700" cap="flat" cmpd="sng" algn="ctr">
+                      <a:solidFill>
+                        <a:schemeClr val="bg1"/>
+                      </a:solidFill>
+                      <a:prstDash val="solid"/>
+                      <a:round/>
+                      <a:headEnd type="none" w="med" len="med"/>
+                      <a:tailEnd type="none" w="med" len="med"/>
+                    </a:lnL>
+                    <a:lnR w="12700" cap="flat" cmpd="sng" algn="ctr">
+                      <a:solidFill>
+                        <a:schemeClr val="bg1"/>
+                      </a:solidFill>
+                      <a:prstDash val="solid"/>
+                      <a:round/>
+                      <a:headEnd type="none" w="med" len="med"/>
+                      <a:tailEnd type="none" w="med" len="med"/>
+                    </a:lnR>
+                    <a:lnT w="12700" cap="flat" cmpd="sng" algn="ctr">
+                      <a:solidFill>
+                        <a:schemeClr val="bg1"/>
+                      </a:solidFill>
+                      <a:prstDash val="solid"/>
+                      <a:round/>
+                      <a:headEnd type="none" w="med" len="med"/>
+                      <a:tailEnd type="none" w="med" len="med"/>
+                    </a:lnT>
+                    <a:lnB w="12700" cap="flat" cmpd="sng" algn="ctr">
+                      <a:solidFill>
+                        <a:schemeClr val="bg1"/>
+                      </a:solidFill>
+                      <a:prstDash val="solid"/>
+                      <a:round/>
+                      <a:headEnd type="none" w="med" len="med"/>
+                      <a:tailEnd type="none" w="med" len="med"/>
+                    </a:lnB>
+                    <a:noFill/>
+                  </a:tcPr>
+                </a:tc>
+                <a:tc>
+                  <a:txBody>
+                    <a:bodyPr/>
+                    <a:lstStyle/>
+                    <a:p>
+                      <a:r>
+                        <a:rPr lang="pt-BR" dirty="0"/>
+                        <a:t>52</a:t>
+                      </a:r>
+                    </a:p>
+                  </a:txBody>
+                  <a:tcPr>
+                    <a:lnL w="12700" cap="flat" cmpd="sng" algn="ctr">
+                      <a:solidFill>
+                        <a:schemeClr val="bg1"/>
+                      </a:solidFill>
+                      <a:prstDash val="solid"/>
+                      <a:round/>
+                      <a:headEnd type="none" w="med" len="med"/>
+                      <a:tailEnd type="none" w="med" len="med"/>
+                    </a:lnL>
+                    <a:lnR w="12700" cap="flat" cmpd="sng" algn="ctr">
+                      <a:solidFill>
+                        <a:schemeClr val="bg1"/>
+                      </a:solidFill>
+                      <a:prstDash val="solid"/>
+                      <a:round/>
+                      <a:headEnd type="none" w="med" len="med"/>
+                      <a:tailEnd type="none" w="med" len="med"/>
+                    </a:lnR>
+                    <a:lnT w="12700" cap="flat" cmpd="sng" algn="ctr">
+                      <a:solidFill>
+                        <a:schemeClr val="bg1"/>
+                      </a:solidFill>
+                      <a:prstDash val="solid"/>
+                      <a:round/>
+                      <a:headEnd type="none" w="med" len="med"/>
+                      <a:tailEnd type="none" w="med" len="med"/>
+                    </a:lnT>
+                    <a:lnB w="12700" cap="flat" cmpd="sng" algn="ctr">
+                      <a:solidFill>
+                        <a:schemeClr val="bg1"/>
+                      </a:solidFill>
+                      <a:prstDash val="solid"/>
+                      <a:round/>
+                      <a:headEnd type="none" w="med" len="med"/>
+                      <a:tailEnd type="none" w="med" len="med"/>
+                    </a:lnB>
+                    <a:noFill/>
+                  </a:tcPr>
+                </a:tc>
+                <a:tc>
+                  <a:txBody>
+                    <a:bodyPr/>
+                    <a:lstStyle/>
+                    <a:p>
+                      <a:r>
+                        <a:rPr lang="pt-BR" dirty="0"/>
+                        <a:t>53</a:t>
+                      </a:r>
+                    </a:p>
+                  </a:txBody>
+                  <a:tcPr>
+                    <a:lnL w="12700" cap="flat" cmpd="sng" algn="ctr">
+                      <a:solidFill>
+                        <a:schemeClr val="bg1"/>
+                      </a:solidFill>
+                      <a:prstDash val="solid"/>
+                      <a:round/>
+                      <a:headEnd type="none" w="med" len="med"/>
+                      <a:tailEnd type="none" w="med" len="med"/>
+                    </a:lnL>
+                    <a:lnR w="12700" cap="flat" cmpd="sng" algn="ctr">
+                      <a:solidFill>
+                        <a:schemeClr val="bg1"/>
+                      </a:solidFill>
+                      <a:prstDash val="solid"/>
+                      <a:round/>
+                      <a:headEnd type="none" w="med" len="med"/>
+                      <a:tailEnd type="none" w="med" len="med"/>
+                    </a:lnR>
+                    <a:lnT w="12700" cap="flat" cmpd="sng" algn="ctr">
+                      <a:solidFill>
+                        <a:schemeClr val="bg1"/>
+                      </a:solidFill>
+                      <a:prstDash val="solid"/>
+                      <a:round/>
+                      <a:headEnd type="none" w="med" len="med"/>
+                      <a:tailEnd type="none" w="med" len="med"/>
+                    </a:lnT>
+                    <a:lnB w="12700" cap="flat" cmpd="sng" algn="ctr">
+                      <a:solidFill>
+                        <a:schemeClr val="bg1"/>
+                      </a:solidFill>
+                      <a:prstDash val="solid"/>
+                      <a:round/>
+                      <a:headEnd type="none" w="med" len="med"/>
+                      <a:tailEnd type="none" w="med" len="med"/>
+                    </a:lnB>
+                    <a:solidFill>
+                      <a:schemeClr val="tx1"/>
+                    </a:solidFill>
+                  </a:tcPr>
+                </a:tc>
+                <a:tc>
+                  <a:txBody>
+                    <a:bodyPr/>
+                    <a:lstStyle/>
+                    <a:p>
+                      <a:r>
+                        <a:rPr lang="pt-BR" dirty="0"/>
+                        <a:t>54</a:t>
+                      </a:r>
+                    </a:p>
+                  </a:txBody>
+                  <a:tcPr>
+                    <a:lnL w="12700" cap="flat" cmpd="sng" algn="ctr">
+                      <a:solidFill>
+                        <a:schemeClr val="bg1"/>
+                      </a:solidFill>
+                      <a:prstDash val="solid"/>
+                      <a:round/>
+                      <a:headEnd type="none" w="med" len="med"/>
+                      <a:tailEnd type="none" w="med" len="med"/>
+                    </a:lnL>
+                    <a:lnR w="12700" cap="flat" cmpd="sng" algn="ctr">
+                      <a:solidFill>
+                        <a:schemeClr val="bg1"/>
+                      </a:solidFill>
+                      <a:prstDash val="solid"/>
+                      <a:round/>
+                      <a:headEnd type="none" w="med" len="med"/>
+                      <a:tailEnd type="none" w="med" len="med"/>
+                    </a:lnR>
+                    <a:lnT w="12700" cap="flat" cmpd="sng" algn="ctr">
+                      <a:solidFill>
+                        <a:schemeClr val="bg1"/>
+                      </a:solidFill>
+                      <a:prstDash val="solid"/>
+                      <a:round/>
+                      <a:headEnd type="none" w="med" len="med"/>
+                      <a:tailEnd type="none" w="med" len="med"/>
+                    </a:lnT>
+                    <a:lnB w="12700" cap="flat" cmpd="sng" algn="ctr">
+                      <a:solidFill>
+                        <a:schemeClr val="bg1"/>
+                      </a:solidFill>
+                      <a:prstDash val="solid"/>
+                      <a:round/>
+                      <a:headEnd type="none" w="med" len="med"/>
+                      <a:tailEnd type="none" w="med" len="med"/>
+                    </a:lnB>
+                    <a:solidFill>
+                      <a:schemeClr val="tx1"/>
+                    </a:solidFill>
+                  </a:tcPr>
+                </a:tc>
+                <a:tc>
+                  <a:txBody>
+                    <a:bodyPr/>
+                    <a:lstStyle/>
+                    <a:p>
+                      <a:r>
+                        <a:rPr lang="pt-BR" dirty="0"/>
+                        <a:t>55</a:t>
+                      </a:r>
+                    </a:p>
+                  </a:txBody>
+                  <a:tcPr>
+                    <a:lnL w="12700" cap="flat" cmpd="sng" algn="ctr">
+                      <a:solidFill>
+                        <a:schemeClr val="bg1"/>
+                      </a:solidFill>
+                      <a:prstDash val="solid"/>
+                      <a:round/>
+                      <a:headEnd type="none" w="med" len="med"/>
+                      <a:tailEnd type="none" w="med" len="med"/>
+                    </a:lnL>
+                    <a:lnR w="12700" cap="flat" cmpd="sng" algn="ctr">
+                      <a:solidFill>
+                        <a:schemeClr val="bg1"/>
+                      </a:solidFill>
+                      <a:prstDash val="solid"/>
+                      <a:round/>
+                      <a:headEnd type="none" w="med" len="med"/>
+                      <a:tailEnd type="none" w="med" len="med"/>
+                    </a:lnR>
+                    <a:lnT w="12700" cap="flat" cmpd="sng" algn="ctr">
+                      <a:solidFill>
+                        <a:schemeClr val="bg1"/>
+                      </a:solidFill>
+                      <a:prstDash val="solid"/>
+                      <a:round/>
+                      <a:headEnd type="none" w="med" len="med"/>
+                      <a:tailEnd type="none" w="med" len="med"/>
+                    </a:lnT>
+                    <a:lnB w="12700" cap="flat" cmpd="sng" algn="ctr">
+                      <a:solidFill>
+                        <a:schemeClr val="bg1"/>
+                      </a:solidFill>
+                      <a:prstDash val="solid"/>
+                      <a:round/>
+                      <a:headEnd type="none" w="med" len="med"/>
+                      <a:tailEnd type="none" w="med" len="med"/>
+                    </a:lnB>
+                    <a:noFill/>
+                  </a:tcPr>
+                </a:tc>
+                <a:tc>
+                  <a:txBody>
+                    <a:bodyPr/>
+                    <a:lstStyle/>
+                    <a:p>
+                      <a:r>
+                        <a:rPr lang="pt-BR" dirty="0"/>
+                        <a:t>56</a:t>
+                      </a:r>
+                    </a:p>
+                  </a:txBody>
+                  <a:tcPr>
+                    <a:lnL w="12700" cap="flat" cmpd="sng" algn="ctr">
+                      <a:solidFill>
+                        <a:schemeClr val="bg1"/>
+                      </a:solidFill>
+                      <a:prstDash val="solid"/>
+                      <a:round/>
+                      <a:headEnd type="none" w="med" len="med"/>
+                      <a:tailEnd type="none" w="med" len="med"/>
+                    </a:lnL>
+                    <a:lnR w="12700" cap="flat" cmpd="sng" algn="ctr">
+                      <a:solidFill>
+                        <a:schemeClr val="bg1"/>
+                      </a:solidFill>
+                      <a:prstDash val="solid"/>
+                      <a:round/>
+                      <a:headEnd type="none" w="med" len="med"/>
+                      <a:tailEnd type="none" w="med" len="med"/>
+                    </a:lnR>
+                    <a:lnT w="12700" cap="flat" cmpd="sng" algn="ctr">
+                      <a:solidFill>
+                        <a:schemeClr val="bg1"/>
+                      </a:solidFill>
+                      <a:prstDash val="solid"/>
+                      <a:round/>
+                      <a:headEnd type="none" w="med" len="med"/>
+                      <a:tailEnd type="none" w="med" len="med"/>
+                    </a:lnT>
+                    <a:lnB w="12700" cap="flat" cmpd="sng" algn="ctr">
+                      <a:solidFill>
+                        <a:schemeClr val="bg1"/>
+                      </a:solidFill>
+                      <a:prstDash val="solid"/>
+                      <a:round/>
+                      <a:headEnd type="none" w="med" len="med"/>
+                      <a:tailEnd type="none" w="med" len="med"/>
+                    </a:lnB>
+                    <a:solidFill>
+                      <a:schemeClr val="accent4">
+                        <a:lumMod val="75000"/>
+                      </a:schemeClr>
+                    </a:solidFill>
+                  </a:tcPr>
+                </a:tc>
+                <a:extLst>
+                  <a:ext uri="{0D108BD9-81ED-4DB2-BD59-A6C34878D82A}">
+                    <a16:rowId xmlns:a16="http://schemas.microsoft.com/office/drawing/2014/main" val="552817418"/>
+                  </a:ext>
+                </a:extLst>
+              </a:tr>
+            </a:tbl>
+          </a:graphicData>
+        </a:graphic>
+      </p:graphicFrame>
+    </p:spTree>
+    <p:extLst>
+      <p:ext uri="{BB962C8B-B14F-4D97-AF65-F5344CB8AC3E}">
+        <p14:creationId xmlns:p14="http://schemas.microsoft.com/office/powerpoint/2010/main" val="206557028"/>
       </p:ext>
     </p:extLst>
   </p:cSld>

--- a/game1/data/er_base.pptx
+++ b/game1/data/er_base.pptx
@@ -261,7 +261,7 @@
           <a:p>
             <a:fld id="{9B9FEED7-53D3-405F-BCD4-2D92D0D2272C}" type="datetimeFigureOut">
               <a:rPr lang="pt-BR" smtClean="0"/>
-              <a:t>09/02/2019</a:t>
+              <a:t>10/02/2019</a:t>
             </a:fld>
             <a:endParaRPr lang="pt-BR"/>
           </a:p>
@@ -459,7 +459,7 @@
           <a:p>
             <a:fld id="{9B9FEED7-53D3-405F-BCD4-2D92D0D2272C}" type="datetimeFigureOut">
               <a:rPr lang="pt-BR" smtClean="0"/>
-              <a:t>09/02/2019</a:t>
+              <a:t>10/02/2019</a:t>
             </a:fld>
             <a:endParaRPr lang="pt-BR"/>
           </a:p>
@@ -667,7 +667,7 @@
           <a:p>
             <a:fld id="{9B9FEED7-53D3-405F-BCD4-2D92D0D2272C}" type="datetimeFigureOut">
               <a:rPr lang="pt-BR" smtClean="0"/>
-              <a:t>09/02/2019</a:t>
+              <a:t>10/02/2019</a:t>
             </a:fld>
             <a:endParaRPr lang="pt-BR"/>
           </a:p>
@@ -865,7 +865,7 @@
           <a:p>
             <a:fld id="{9B9FEED7-53D3-405F-BCD4-2D92D0D2272C}" type="datetimeFigureOut">
               <a:rPr lang="pt-BR" smtClean="0"/>
-              <a:t>09/02/2019</a:t>
+              <a:t>10/02/2019</a:t>
             </a:fld>
             <a:endParaRPr lang="pt-BR"/>
           </a:p>
@@ -1140,7 +1140,7 @@
           <a:p>
             <a:fld id="{9B9FEED7-53D3-405F-BCD4-2D92D0D2272C}" type="datetimeFigureOut">
               <a:rPr lang="pt-BR" smtClean="0"/>
-              <a:t>09/02/2019</a:t>
+              <a:t>10/02/2019</a:t>
             </a:fld>
             <a:endParaRPr lang="pt-BR"/>
           </a:p>
@@ -1405,7 +1405,7 @@
           <a:p>
             <a:fld id="{9B9FEED7-53D3-405F-BCD4-2D92D0D2272C}" type="datetimeFigureOut">
               <a:rPr lang="pt-BR" smtClean="0"/>
-              <a:t>09/02/2019</a:t>
+              <a:t>10/02/2019</a:t>
             </a:fld>
             <a:endParaRPr lang="pt-BR"/>
           </a:p>
@@ -1817,7 +1817,7 @@
           <a:p>
             <a:fld id="{9B9FEED7-53D3-405F-BCD4-2D92D0D2272C}" type="datetimeFigureOut">
               <a:rPr lang="pt-BR" smtClean="0"/>
-              <a:t>09/02/2019</a:t>
+              <a:t>10/02/2019</a:t>
             </a:fld>
             <a:endParaRPr lang="pt-BR"/>
           </a:p>
@@ -1958,7 +1958,7 @@
           <a:p>
             <a:fld id="{9B9FEED7-53D3-405F-BCD4-2D92D0D2272C}" type="datetimeFigureOut">
               <a:rPr lang="pt-BR" smtClean="0"/>
-              <a:t>09/02/2019</a:t>
+              <a:t>10/02/2019</a:t>
             </a:fld>
             <a:endParaRPr lang="pt-BR"/>
           </a:p>
@@ -2071,7 +2071,7 @@
           <a:p>
             <a:fld id="{9B9FEED7-53D3-405F-BCD4-2D92D0D2272C}" type="datetimeFigureOut">
               <a:rPr lang="pt-BR" smtClean="0"/>
-              <a:t>09/02/2019</a:t>
+              <a:t>10/02/2019</a:t>
             </a:fld>
             <a:endParaRPr lang="pt-BR"/>
           </a:p>
@@ -2382,7 +2382,7 @@
           <a:p>
             <a:fld id="{9B9FEED7-53D3-405F-BCD4-2D92D0D2272C}" type="datetimeFigureOut">
               <a:rPr lang="pt-BR" smtClean="0"/>
-              <a:t>09/02/2019</a:t>
+              <a:t>10/02/2019</a:t>
             </a:fld>
             <a:endParaRPr lang="pt-BR"/>
           </a:p>
@@ -2670,7 +2670,7 @@
           <a:p>
             <a:fld id="{9B9FEED7-53D3-405F-BCD4-2D92D0D2272C}" type="datetimeFigureOut">
               <a:rPr lang="pt-BR" smtClean="0"/>
-              <a:t>09/02/2019</a:t>
+              <a:t>10/02/2019</a:t>
             </a:fld>
             <a:endParaRPr lang="pt-BR"/>
           </a:p>
@@ -2911,7 +2911,7 @@
           <a:p>
             <a:fld id="{9B9FEED7-53D3-405F-BCD4-2D92D0D2272C}" type="datetimeFigureOut">
               <a:rPr lang="pt-BR" smtClean="0"/>
-              <a:t>09/02/2019</a:t>
+              <a:t>10/02/2019</a:t>
             </a:fld>
             <a:endParaRPr lang="pt-BR"/>
           </a:p>
@@ -7505,7 +7505,7 @@
           <p:nvPr>
             <p:extLst>
               <p:ext uri="{D42A27DB-BD31-4B8C-83A1-F6EECF244321}">
-                <p14:modId xmlns:p14="http://schemas.microsoft.com/office/powerpoint/2010/main" val="2148139227"/>
+                <p14:modId xmlns:p14="http://schemas.microsoft.com/office/powerpoint/2010/main" val="2401747833"/>
               </p:ext>
             </p:extLst>
           </p:nvPr>
@@ -8379,7 +8379,7 @@
                     <a:lstStyle/>
                     <a:p>
                       <a:r>
-                        <a:rPr lang="pt-BR" dirty="0"/>
+                        <a:rPr lang="pt-BR" u="none" dirty="0"/>
                         <a:t>34</a:t>
                       </a:r>
                     </a:p>
@@ -8421,7 +8421,12 @@
                       <a:headEnd type="none" w="med" len="med"/>
                       <a:tailEnd type="none" w="med" len="med"/>
                     </a:lnB>
-                    <a:noFill/>
+                    <a:solidFill>
+                      <a:schemeClr val="accent5">
+                        <a:lumMod val="60000"/>
+                        <a:lumOff val="40000"/>
+                      </a:schemeClr>
+                    </a:solidFill>
                   </a:tcPr>
                 </a:tc>
                 <a:tc>
@@ -8525,7 +8530,11 @@
                       <a:headEnd type="none" w="med" len="med"/>
                       <a:tailEnd type="none" w="med" len="med"/>
                     </a:lnB>
-                    <a:noFill/>
+                    <a:solidFill>
+                      <a:schemeClr val="accent4">
+                        <a:lumMod val="75000"/>
+                      </a:schemeClr>
+                    </a:solidFill>
                   </a:tcPr>
                 </a:tc>
                 <a:extLst>
